--- a/z_note/数据结构与算法.pptx
+++ b/z_note/数据结构与算法.pptx
@@ -4,6 +4,9 @@
   <p:sldMasterIdLst>
     <p:sldMasterId id="2147483648" r:id="rId1"/>
   </p:sldMasterIdLst>
+  <p:notesMasterIdLst>
+    <p:notesMasterId r:id="rId40"/>
+  </p:notesMasterIdLst>
   <p:sldIdLst>
     <p:sldId id="287" r:id="rId3"/>
     <p:sldId id="273" r:id="rId4"/>
@@ -39,6 +42,9 @@
     <p:sldId id="322" r:id="rId34"/>
     <p:sldId id="327" r:id="rId35"/>
     <p:sldId id="328" r:id="rId36"/>
+    <p:sldId id="329" r:id="rId37"/>
+    <p:sldId id="330" r:id="rId38"/>
+    <p:sldId id="331" r:id="rId39"/>
   </p:sldIdLst>
   <p:sldSz cx="9144000" cy="6858000" type="screen4x3"/>
   <p:notesSz cx="6858000" cy="9144000"/>
@@ -138,6 +144,397 @@
     </a:lvl9pPr>
   </p:defaultTextStyle>
 </p:presentation>
+</file>
+
+<file path=ppt/notesMasters/notesMaster1.xml><?xml version="1.0" encoding="utf-8"?>
+<p:notesMaster xmlns:a="http://schemas.openxmlformats.org/drawingml/2006/main" xmlns:r="http://schemas.openxmlformats.org/officeDocument/2006/relationships" xmlns:p="http://schemas.openxmlformats.org/presentationml/2006/main">
+  <p:cSld>
+    <p:bg>
+      <p:bgRef idx="1001">
+        <a:schemeClr val="bg1"/>
+      </p:bgRef>
+    </p:bg>
+    <p:spTree>
+      <p:nvGrpSpPr>
+        <p:cNvPr id="1" name=""/>
+        <p:cNvGrpSpPr/>
+        <p:nvPr/>
+      </p:nvGrpSpPr>
+      <p:grpSpPr>
+        <a:xfrm>
+          <a:off x="0" y="0"/>
+          <a:ext cx="0" cy="0"/>
+          <a:chOff x="0" y="0"/>
+          <a:chExt cx="0" cy="0"/>
+        </a:xfrm>
+      </p:grpSpPr>
+      <p:sp>
+        <p:nvSpPr>
+          <p:cNvPr id="2" name="页眉占位符 1"/>
+          <p:cNvSpPr>
+            <a:spLocks noGrp="1"/>
+          </p:cNvSpPr>
+          <p:nvPr>
+            <p:ph type="hdr" sz="quarter"/>
+          </p:nvPr>
+        </p:nvSpPr>
+        <p:spPr>
+          <a:xfrm>
+            <a:off x="0" y="0"/>
+            <a:ext cx="2971800" cy="458788"/>
+          </a:xfrm>
+          <a:prstGeom prst="rect">
+            <a:avLst/>
+          </a:prstGeom>
+        </p:spPr>
+        <p:txBody>
+          <a:bodyPr vert="horz" lIns="91440" tIns="45720" rIns="91440" bIns="45720" rtlCol="0"/>
+          <a:lstStyle>
+            <a:lvl1pPr algn="l">
+              <a:defRPr sz="1200"/>
+            </a:lvl1pPr>
+          </a:lstStyle>
+          <a:p>
+            <a:endParaRPr lang="zh-CN" altLang="en-US"/>
+          </a:p>
+        </p:txBody>
+      </p:sp>
+      <p:sp>
+        <p:nvSpPr>
+          <p:cNvPr id="3" name="日期占位符 2"/>
+          <p:cNvSpPr>
+            <a:spLocks noGrp="1"/>
+          </p:cNvSpPr>
+          <p:nvPr>
+            <p:ph type="dt" idx="1"/>
+          </p:nvPr>
+        </p:nvSpPr>
+        <p:spPr>
+          <a:xfrm>
+            <a:off x="3884613" y="0"/>
+            <a:ext cx="2971800" cy="458788"/>
+          </a:xfrm>
+          <a:prstGeom prst="rect">
+            <a:avLst/>
+          </a:prstGeom>
+        </p:spPr>
+        <p:txBody>
+          <a:bodyPr vert="horz" lIns="91440" tIns="45720" rIns="91440" bIns="45720" rtlCol="0"/>
+          <a:lstStyle>
+            <a:lvl1pPr algn="r">
+              <a:defRPr sz="1200"/>
+            </a:lvl1pPr>
+          </a:lstStyle>
+          <a:p>
+            <a:fld id="{D2A48B96-639E-45A3-A0BA-2464DFDB1FAA}" type="datetimeFigureOut">
+              <a:rPr lang="zh-CN" altLang="en-US" smtClean="0"/>
+            </a:fld>
+            <a:endParaRPr lang="zh-CN" altLang="en-US"/>
+          </a:p>
+        </p:txBody>
+      </p:sp>
+      <p:sp>
+        <p:nvSpPr>
+          <p:cNvPr id="4" name="幻灯片图像占位符 3"/>
+          <p:cNvSpPr>
+            <a:spLocks noGrp="1" noRot="1" noChangeAspect="1"/>
+          </p:cNvSpPr>
+          <p:nvPr>
+            <p:ph type="sldImg" idx="2"/>
+          </p:nvPr>
+        </p:nvSpPr>
+        <p:spPr>
+          <a:xfrm>
+            <a:off x="1371600" y="1143000"/>
+            <a:ext cx="4114800" cy="3086100"/>
+          </a:xfrm>
+          <a:prstGeom prst="rect">
+            <a:avLst/>
+          </a:prstGeom>
+          <a:noFill/>
+          <a:ln w="12700">
+            <a:solidFill>
+              <a:prstClr val="black"/>
+            </a:solidFill>
+          </a:ln>
+        </p:spPr>
+        <p:txBody>
+          <a:bodyPr vert="horz" lIns="91440" tIns="45720" rIns="91440" bIns="45720" rtlCol="0" anchor="ctr"/>
+          <a:lstStyle/>
+          <a:p>
+            <a:endParaRPr lang="zh-CN" altLang="en-US"/>
+          </a:p>
+        </p:txBody>
+      </p:sp>
+      <p:sp>
+        <p:nvSpPr>
+          <p:cNvPr id="5" name="备注占位符 4"/>
+          <p:cNvSpPr>
+            <a:spLocks noGrp="1"/>
+          </p:cNvSpPr>
+          <p:nvPr>
+            <p:ph type="body" sz="quarter" idx="3"/>
+          </p:nvPr>
+        </p:nvSpPr>
+        <p:spPr>
+          <a:xfrm>
+            <a:off x="685800" y="4400550"/>
+            <a:ext cx="5486400" cy="3600450"/>
+          </a:xfrm>
+          <a:prstGeom prst="rect">
+            <a:avLst/>
+          </a:prstGeom>
+        </p:spPr>
+        <p:txBody>
+          <a:bodyPr vert="horz" lIns="91440" tIns="45720" rIns="91440" bIns="45720" rtlCol="0"/>
+          <a:lstStyle/>
+          <a:p>
+            <a:pPr lvl="0"/>
+            <a:r>
+              <a:rPr lang="zh-CN" altLang="en-US" smtClean="0"/>
+              <a:t>单击此处编辑母版文本样式</a:t>
+            </a:r>
+            <a:endParaRPr lang="zh-CN" altLang="en-US" smtClean="0"/>
+          </a:p>
+          <a:p>
+            <a:pPr lvl="1"/>
+            <a:r>
+              <a:rPr lang="zh-CN" altLang="en-US" smtClean="0"/>
+              <a:t>第二级</a:t>
+            </a:r>
+            <a:endParaRPr lang="zh-CN" altLang="en-US" smtClean="0"/>
+          </a:p>
+          <a:p>
+            <a:pPr lvl="2"/>
+            <a:r>
+              <a:rPr lang="zh-CN" altLang="en-US" smtClean="0"/>
+              <a:t>第三级</a:t>
+            </a:r>
+            <a:endParaRPr lang="zh-CN" altLang="en-US" smtClean="0"/>
+          </a:p>
+          <a:p>
+            <a:pPr lvl="3"/>
+            <a:r>
+              <a:rPr lang="zh-CN" altLang="en-US" smtClean="0"/>
+              <a:t>第四级</a:t>
+            </a:r>
+            <a:endParaRPr lang="zh-CN" altLang="en-US" smtClean="0"/>
+          </a:p>
+          <a:p>
+            <a:pPr lvl="4"/>
+            <a:r>
+              <a:rPr lang="zh-CN" altLang="en-US" smtClean="0"/>
+              <a:t>第五级</a:t>
+            </a:r>
+            <a:endParaRPr lang="zh-CN" altLang="en-US"/>
+          </a:p>
+        </p:txBody>
+      </p:sp>
+      <p:sp>
+        <p:nvSpPr>
+          <p:cNvPr id="6" name="页脚占位符 5"/>
+          <p:cNvSpPr>
+            <a:spLocks noGrp="1"/>
+          </p:cNvSpPr>
+          <p:nvPr>
+            <p:ph type="ftr" sz="quarter" idx="4"/>
+          </p:nvPr>
+        </p:nvSpPr>
+        <p:spPr>
+          <a:xfrm>
+            <a:off x="0" y="8685213"/>
+            <a:ext cx="2971800" cy="458787"/>
+          </a:xfrm>
+          <a:prstGeom prst="rect">
+            <a:avLst/>
+          </a:prstGeom>
+        </p:spPr>
+        <p:txBody>
+          <a:bodyPr vert="horz" lIns="91440" tIns="45720" rIns="91440" bIns="45720" rtlCol="0" anchor="b"/>
+          <a:lstStyle>
+            <a:lvl1pPr algn="l">
+              <a:defRPr sz="1200"/>
+            </a:lvl1pPr>
+          </a:lstStyle>
+          <a:p>
+            <a:endParaRPr lang="zh-CN" altLang="en-US"/>
+          </a:p>
+        </p:txBody>
+      </p:sp>
+      <p:sp>
+        <p:nvSpPr>
+          <p:cNvPr id="7" name="灯片编号占位符 6"/>
+          <p:cNvSpPr>
+            <a:spLocks noGrp="1"/>
+          </p:cNvSpPr>
+          <p:nvPr>
+            <p:ph type="sldNum" sz="quarter" idx="5"/>
+          </p:nvPr>
+        </p:nvSpPr>
+        <p:spPr>
+          <a:xfrm>
+            <a:off x="3884613" y="8685213"/>
+            <a:ext cx="2971800" cy="458787"/>
+          </a:xfrm>
+          <a:prstGeom prst="rect">
+            <a:avLst/>
+          </a:prstGeom>
+        </p:spPr>
+        <p:txBody>
+          <a:bodyPr vert="horz" lIns="91440" tIns="45720" rIns="91440" bIns="45720" rtlCol="0" anchor="b"/>
+          <a:lstStyle>
+            <a:lvl1pPr algn="r">
+              <a:defRPr sz="1200"/>
+            </a:lvl1pPr>
+          </a:lstStyle>
+          <a:p>
+            <a:fld id="{A6837353-30EB-4A48-80EB-173D804AEFBD}" type="slidenum">
+              <a:rPr lang="zh-CN" altLang="en-US" smtClean="0"/>
+            </a:fld>
+            <a:endParaRPr lang="zh-CN" altLang="en-US"/>
+          </a:p>
+        </p:txBody>
+      </p:sp>
+    </p:spTree>
+  </p:cSld>
+  <p:clrMap bg1="lt1" tx1="dk1" bg2="lt2" tx2="dk2" accent1="accent1" accent2="accent2" accent3="accent3" accent4="accent4" accent5="accent5" accent6="accent6" hlink="hlink" folHlink="folHlink"/>
+  <p:notesStyle>
+    <a:lvl1pPr marL="0" algn="l" defTabSz="914400" rtl="0" eaLnBrk="1" latinLnBrk="0" hangingPunct="1">
+      <a:defRPr sz="1200" kern="1200">
+        <a:solidFill>
+          <a:schemeClr val="tx1"/>
+        </a:solidFill>
+        <a:latin typeface="+mn-lt"/>
+        <a:ea typeface="+mn-ea"/>
+        <a:cs typeface="+mn-cs"/>
+      </a:defRPr>
+    </a:lvl1pPr>
+    <a:lvl2pPr marL="457200" algn="l" defTabSz="914400" rtl="0" eaLnBrk="1" latinLnBrk="0" hangingPunct="1">
+      <a:defRPr sz="1200" kern="1200">
+        <a:solidFill>
+          <a:schemeClr val="tx1"/>
+        </a:solidFill>
+        <a:latin typeface="+mn-lt"/>
+        <a:ea typeface="+mn-ea"/>
+        <a:cs typeface="+mn-cs"/>
+      </a:defRPr>
+    </a:lvl2pPr>
+    <a:lvl3pPr marL="914400" algn="l" defTabSz="914400" rtl="0" eaLnBrk="1" latinLnBrk="0" hangingPunct="1">
+      <a:defRPr sz="1200" kern="1200">
+        <a:solidFill>
+          <a:schemeClr val="tx1"/>
+        </a:solidFill>
+        <a:latin typeface="+mn-lt"/>
+        <a:ea typeface="+mn-ea"/>
+        <a:cs typeface="+mn-cs"/>
+      </a:defRPr>
+    </a:lvl3pPr>
+    <a:lvl4pPr marL="1371600" algn="l" defTabSz="914400" rtl="0" eaLnBrk="1" latinLnBrk="0" hangingPunct="1">
+      <a:defRPr sz="1200" kern="1200">
+        <a:solidFill>
+          <a:schemeClr val="tx1"/>
+        </a:solidFill>
+        <a:latin typeface="+mn-lt"/>
+        <a:ea typeface="+mn-ea"/>
+        <a:cs typeface="+mn-cs"/>
+      </a:defRPr>
+    </a:lvl4pPr>
+    <a:lvl5pPr marL="1828800" algn="l" defTabSz="914400" rtl="0" eaLnBrk="1" latinLnBrk="0" hangingPunct="1">
+      <a:defRPr sz="1200" kern="1200">
+        <a:solidFill>
+          <a:schemeClr val="tx1"/>
+        </a:solidFill>
+        <a:latin typeface="+mn-lt"/>
+        <a:ea typeface="+mn-ea"/>
+        <a:cs typeface="+mn-cs"/>
+      </a:defRPr>
+    </a:lvl5pPr>
+    <a:lvl6pPr marL="2286000" algn="l" defTabSz="914400" rtl="0" eaLnBrk="1" latinLnBrk="0" hangingPunct="1">
+      <a:defRPr sz="1200" kern="1200">
+        <a:solidFill>
+          <a:schemeClr val="tx1"/>
+        </a:solidFill>
+        <a:latin typeface="+mn-lt"/>
+        <a:ea typeface="+mn-ea"/>
+        <a:cs typeface="+mn-cs"/>
+      </a:defRPr>
+    </a:lvl6pPr>
+    <a:lvl7pPr marL="2743200" algn="l" defTabSz="914400" rtl="0" eaLnBrk="1" latinLnBrk="0" hangingPunct="1">
+      <a:defRPr sz="1200" kern="1200">
+        <a:solidFill>
+          <a:schemeClr val="tx1"/>
+        </a:solidFill>
+        <a:latin typeface="+mn-lt"/>
+        <a:ea typeface="+mn-ea"/>
+        <a:cs typeface="+mn-cs"/>
+      </a:defRPr>
+    </a:lvl7pPr>
+    <a:lvl8pPr marL="3200400" algn="l" defTabSz="914400" rtl="0" eaLnBrk="1" latinLnBrk="0" hangingPunct="1">
+      <a:defRPr sz="1200" kern="1200">
+        <a:solidFill>
+          <a:schemeClr val="tx1"/>
+        </a:solidFill>
+        <a:latin typeface="+mn-lt"/>
+        <a:ea typeface="+mn-ea"/>
+        <a:cs typeface="+mn-cs"/>
+      </a:defRPr>
+    </a:lvl8pPr>
+    <a:lvl9pPr marL="3657600" algn="l" defTabSz="914400" rtl="0" eaLnBrk="1" latinLnBrk="0" hangingPunct="1">
+      <a:defRPr sz="1200" kern="1200">
+        <a:solidFill>
+          <a:schemeClr val="tx1"/>
+        </a:solidFill>
+        <a:latin typeface="+mn-lt"/>
+        <a:ea typeface="+mn-ea"/>
+        <a:cs typeface="+mn-cs"/>
+      </a:defRPr>
+    </a:lvl9pPr>
+  </p:notesStyle>
+</p:notesMaster>
+</file>
+
+<file path=ppt/notesSlides/notesSlide1.xml><?xml version="1.0" encoding="utf-8"?>
+<p:notes xmlns:a="http://schemas.openxmlformats.org/drawingml/2006/main" xmlns:r="http://schemas.openxmlformats.org/officeDocument/2006/relationships" xmlns:p="http://schemas.openxmlformats.org/presentationml/2006/main">
+  <p:cSld>
+    <p:spTree>
+      <p:nvGrpSpPr>
+        <p:cNvPr id="1" name=""/>
+        <p:cNvGrpSpPr/>
+        <p:nvPr/>
+      </p:nvGrpSpPr>
+      <p:grpSpPr/>
+      <p:sp>
+        <p:nvSpPr>
+          <p:cNvPr id="2" name="幻灯片图像占位符 1"/>
+          <p:cNvSpPr/>
+          <p:nvPr>
+            <p:ph type="sldImg" idx="2"/>
+          </p:nvPr>
+        </p:nvSpPr>
+        <p:spPr/>
+      </p:sp>
+      <p:sp>
+        <p:nvSpPr>
+          <p:cNvPr id="3" name="文本占位符 2"/>
+          <p:cNvSpPr/>
+          <p:nvPr>
+            <p:ph type="body" idx="3"/>
+          </p:nvPr>
+        </p:nvSpPr>
+        <p:spPr/>
+        <p:txBody>
+          <a:bodyPr/>
+          <a:p>
+            <a:endParaRPr lang="zh-CN" altLang="en-US"/>
+          </a:p>
+        </p:txBody>
+      </p:sp>
+    </p:spTree>
+  </p:cSld>
+  <p:clrMapOvr>
+    <a:masterClrMapping/>
+  </p:clrMapOvr>
+</p:notes>
 </file>
 
 <file path=ppt/slideLayouts/slideLayout1.xml><?xml version="1.0" encoding="utf-8"?>
@@ -20292,6 +20689,4183 @@
             <a:solidFill>
               <a:srgbClr val="7030A0"/>
             </a:solidFill>
+            <a:tailEnd type="arrow"/>
+          </a:ln>
+        </p:spPr>
+        <p:style>
+          <a:lnRef idx="1">
+            <a:schemeClr val="accent1"/>
+          </a:lnRef>
+          <a:fillRef idx="0">
+            <a:schemeClr val="accent1"/>
+          </a:fillRef>
+          <a:effectRef idx="0">
+            <a:schemeClr val="accent1"/>
+          </a:effectRef>
+          <a:fontRef idx="minor">
+            <a:schemeClr val="tx1"/>
+          </a:fontRef>
+        </p:style>
+      </p:cxnSp>
+    </p:spTree>
+  </p:cSld>
+  <p:clrMapOvr>
+    <a:masterClrMapping/>
+  </p:clrMapOvr>
+</p:sld>
+</file>
+
+<file path=ppt/slides/slide35.xml><?xml version="1.0" encoding="utf-8"?>
+<p:sld xmlns:a="http://schemas.openxmlformats.org/drawingml/2006/main" xmlns:r="http://schemas.openxmlformats.org/officeDocument/2006/relationships" xmlns:p="http://schemas.openxmlformats.org/presentationml/2006/main">
+  <p:cSld>
+    <p:spTree>
+      <p:nvGrpSpPr>
+        <p:cNvPr id="1" name=""/>
+        <p:cNvGrpSpPr/>
+        <p:nvPr/>
+      </p:nvGrpSpPr>
+      <p:grpSpPr>
+        <a:xfrm>
+          <a:off x="0" y="0"/>
+          <a:ext cx="0" cy="0"/>
+          <a:chOff x="0" y="0"/>
+          <a:chExt cx="0" cy="0"/>
+        </a:xfrm>
+      </p:grpSpPr>
+      <p:sp>
+        <p:nvSpPr>
+          <p:cNvPr id="17" name="圆角矩形 16"/>
+          <p:cNvSpPr/>
+          <p:nvPr/>
+        </p:nvSpPr>
+        <p:spPr>
+          <a:xfrm>
+            <a:off x="1351915" y="1802130"/>
+            <a:ext cx="363855" cy="358140"/>
+          </a:xfrm>
+          <a:prstGeom prst="roundRect">
+            <a:avLst/>
+          </a:prstGeom>
+        </p:spPr>
+        <p:style>
+          <a:lnRef idx="2">
+            <a:schemeClr val="accent1">
+              <a:shade val="50000"/>
+            </a:schemeClr>
+          </a:lnRef>
+          <a:fillRef idx="1">
+            <a:schemeClr val="accent1"/>
+          </a:fillRef>
+          <a:effectRef idx="0">
+            <a:schemeClr val="accent1"/>
+          </a:effectRef>
+          <a:fontRef idx="minor">
+            <a:schemeClr val="lt1"/>
+          </a:fontRef>
+        </p:style>
+        <p:txBody>
+          <a:bodyPr rtlCol="0" anchor="ctr"/>
+          <a:p>
+            <a:pPr algn="ctr"/>
+            <a:r>
+              <a:rPr lang="en-US" altLang="zh-CN"/>
+              <a:t>1</a:t>
+            </a:r>
+            <a:endParaRPr lang="en-US" altLang="zh-CN"/>
+          </a:p>
+        </p:txBody>
+      </p:sp>
+      <p:cxnSp>
+        <p:nvCxnSpPr>
+          <p:cNvPr id="22" name="直接箭头连接符 21"/>
+          <p:cNvCxnSpPr>
+            <a:stCxn id="23" idx="0"/>
+          </p:cNvCxnSpPr>
+          <p:nvPr/>
+        </p:nvCxnSpPr>
+        <p:spPr>
+          <a:xfrm flipV="1">
+            <a:off x="6043295" y="3357880"/>
+            <a:ext cx="455930" cy="567690"/>
+          </a:xfrm>
+          <a:prstGeom prst="straightConnector1">
+            <a:avLst/>
+          </a:prstGeom>
+          <a:ln w="38100">
+            <a:solidFill>
+              <a:srgbClr val="00B050"/>
+            </a:solidFill>
+            <a:prstDash val="sysDot"/>
+            <a:tailEnd type="arrow"/>
+          </a:ln>
+        </p:spPr>
+        <p:style>
+          <a:lnRef idx="1">
+            <a:schemeClr val="accent1"/>
+          </a:lnRef>
+          <a:fillRef idx="0">
+            <a:schemeClr val="accent1"/>
+          </a:fillRef>
+          <a:effectRef idx="0">
+            <a:schemeClr val="accent1"/>
+          </a:effectRef>
+          <a:fontRef idx="minor">
+            <a:schemeClr val="tx1"/>
+          </a:fontRef>
+        </p:style>
+      </p:cxnSp>
+      <p:sp>
+        <p:nvSpPr>
+          <p:cNvPr id="23" name="文本框 22"/>
+          <p:cNvSpPr txBox="1"/>
+          <p:nvPr/>
+        </p:nvSpPr>
+        <p:spPr>
+          <a:xfrm>
+            <a:off x="5711825" y="3925570"/>
+            <a:ext cx="662305" cy="368300"/>
+          </a:xfrm>
+          <a:prstGeom prst="rect">
+            <a:avLst/>
+          </a:prstGeom>
+          <a:noFill/>
+        </p:spPr>
+        <p:txBody>
+          <a:bodyPr wrap="square" rtlCol="0">
+            <a:spAutoFit/>
+          </a:bodyPr>
+          <a:p>
+            <a:r>
+              <a:rPr lang="en-US" altLang="zh-CN"/>
+              <a:t>slow</a:t>
+            </a:r>
+            <a:endParaRPr lang="en-US" altLang="zh-CN"/>
+          </a:p>
+        </p:txBody>
+      </p:sp>
+      <p:cxnSp>
+        <p:nvCxnSpPr>
+          <p:cNvPr id="32" name="直接箭头连接符 31"/>
+          <p:cNvCxnSpPr>
+            <a:stCxn id="17" idx="3"/>
+            <a:endCxn id="5" idx="1"/>
+          </p:cNvCxnSpPr>
+          <p:nvPr/>
+        </p:nvCxnSpPr>
+        <p:spPr>
+          <a:xfrm>
+            <a:off x="1715770" y="1981200"/>
+            <a:ext cx="282575" cy="0"/>
+          </a:xfrm>
+          <a:prstGeom prst="straightConnector1">
+            <a:avLst/>
+          </a:prstGeom>
+          <a:ln w="25400">
+            <a:solidFill>
+              <a:srgbClr val="7030A0"/>
+            </a:solidFill>
+            <a:tailEnd type="arrow"/>
+          </a:ln>
+        </p:spPr>
+        <p:style>
+          <a:lnRef idx="1">
+            <a:schemeClr val="accent1"/>
+          </a:lnRef>
+          <a:fillRef idx="0">
+            <a:schemeClr val="accent1"/>
+          </a:fillRef>
+          <a:effectRef idx="0">
+            <a:schemeClr val="accent1"/>
+          </a:effectRef>
+          <a:fontRef idx="minor">
+            <a:schemeClr val="tx1"/>
+          </a:fontRef>
+        </p:style>
+      </p:cxnSp>
+      <p:sp>
+        <p:nvSpPr>
+          <p:cNvPr id="35" name="矩形 34"/>
+          <p:cNvSpPr/>
+          <p:nvPr/>
+        </p:nvSpPr>
+        <p:spPr>
+          <a:xfrm>
+            <a:off x="0" y="0"/>
+            <a:ext cx="2268855" cy="428625"/>
+          </a:xfrm>
+          <a:prstGeom prst="rect">
+            <a:avLst/>
+          </a:prstGeom>
+          <a:ln w="38100">
+            <a:solidFill>
+              <a:srgbClr val="FF0000"/>
+            </a:solidFill>
+          </a:ln>
+        </p:spPr>
+        <p:style>
+          <a:lnRef idx="2">
+            <a:schemeClr val="accent2"/>
+          </a:lnRef>
+          <a:fillRef idx="1">
+            <a:schemeClr val="lt1"/>
+          </a:fillRef>
+          <a:effectRef idx="0">
+            <a:schemeClr val="accent2"/>
+          </a:effectRef>
+          <a:fontRef idx="minor">
+            <a:schemeClr val="dk1"/>
+          </a:fontRef>
+        </p:style>
+        <p:txBody>
+          <a:bodyPr rtlCol="0" anchor="ctr"/>
+          <a:p>
+            <a:pPr algn="ctr"/>
+            <a:r>
+              <a:rPr lang="zh-CN" altLang="en-US" b="1" dirty="0"/>
+              <a:t>环形链表求入环节点</a:t>
+            </a:r>
+            <a:endParaRPr lang="en-US" altLang="zh-CN" b="1" dirty="0"/>
+          </a:p>
+        </p:txBody>
+      </p:sp>
+      <p:cxnSp>
+        <p:nvCxnSpPr>
+          <p:cNvPr id="3" name="直接箭头连接符 2"/>
+          <p:cNvCxnSpPr>
+            <a:endCxn id="18" idx="2"/>
+          </p:cNvCxnSpPr>
+          <p:nvPr/>
+        </p:nvCxnSpPr>
+        <p:spPr>
+          <a:xfrm flipH="1" flipV="1">
+            <a:off x="6501765" y="3345815"/>
+            <a:ext cx="626745" cy="662305"/>
+          </a:xfrm>
+          <a:prstGeom prst="straightConnector1">
+            <a:avLst/>
+          </a:prstGeom>
+          <a:ln w="38100">
+            <a:solidFill>
+              <a:srgbClr val="FF0000"/>
+            </a:solidFill>
+            <a:prstDash val="sysDot"/>
+            <a:tailEnd type="arrow"/>
+          </a:ln>
+        </p:spPr>
+        <p:style>
+          <a:lnRef idx="1">
+            <a:schemeClr val="accent1"/>
+          </a:lnRef>
+          <a:fillRef idx="0">
+            <a:schemeClr val="accent1"/>
+          </a:fillRef>
+          <a:effectRef idx="0">
+            <a:schemeClr val="accent1"/>
+          </a:effectRef>
+          <a:fontRef idx="minor">
+            <a:schemeClr val="tx1"/>
+          </a:fontRef>
+        </p:style>
+      </p:cxnSp>
+      <p:sp>
+        <p:nvSpPr>
+          <p:cNvPr id="4" name="文本框 3"/>
+          <p:cNvSpPr txBox="1"/>
+          <p:nvPr/>
+        </p:nvSpPr>
+        <p:spPr>
+          <a:xfrm>
+            <a:off x="6832600" y="3925570"/>
+            <a:ext cx="591820" cy="368300"/>
+          </a:xfrm>
+          <a:prstGeom prst="rect">
+            <a:avLst/>
+          </a:prstGeom>
+          <a:noFill/>
+        </p:spPr>
+        <p:txBody>
+          <a:bodyPr wrap="square" rtlCol="0">
+            <a:spAutoFit/>
+          </a:bodyPr>
+          <a:p>
+            <a:r>
+              <a:rPr lang="en-US" altLang="zh-CN"/>
+              <a:t>fast</a:t>
+            </a:r>
+            <a:endParaRPr lang="en-US" altLang="zh-CN"/>
+          </a:p>
+        </p:txBody>
+      </p:sp>
+      <p:sp>
+        <p:nvSpPr>
+          <p:cNvPr id="6" name="文本框 5"/>
+          <p:cNvSpPr txBox="1"/>
+          <p:nvPr/>
+        </p:nvSpPr>
+        <p:spPr>
+          <a:xfrm>
+            <a:off x="1249045" y="4515485"/>
+            <a:ext cx="6645910" cy="1198880"/>
+          </a:xfrm>
+          <a:prstGeom prst="rect">
+            <a:avLst/>
+          </a:prstGeom>
+          <a:noFill/>
+        </p:spPr>
+        <p:txBody>
+          <a:bodyPr wrap="none" rtlCol="0">
+            <a:spAutoFit/>
+          </a:bodyPr>
+          <a:p>
+            <a:pPr algn="l"/>
+            <a:r>
+              <a:rPr lang="en-US" altLang="zh-CN"/>
+              <a:t>1</a:t>
+            </a:r>
+            <a:r>
+              <a:rPr lang="zh-CN" altLang="zh-CN"/>
+              <a:t>、检查链表是否有环路</a:t>
+            </a:r>
+            <a:r>
+              <a:rPr lang="en-US" altLang="zh-CN"/>
+              <a:t>;</a:t>
+            </a:r>
+            <a:endParaRPr lang="en-US" altLang="zh-CN"/>
+          </a:p>
+          <a:p>
+            <a:pPr algn="l"/>
+            <a:r>
+              <a:rPr lang="en-US" altLang="zh-CN"/>
+              <a:t>2</a:t>
+            </a:r>
+            <a:r>
+              <a:rPr lang="zh-CN" altLang="en-US"/>
+              <a:t>、如果有环的话</a:t>
+            </a:r>
+            <a:endParaRPr lang="zh-CN" altLang="en-US"/>
+          </a:p>
+          <a:p>
+            <a:pPr algn="l"/>
+            <a:r>
+              <a:rPr lang="en-US" altLang="zh-CN"/>
+              <a:t>3</a:t>
+            </a:r>
+            <a:r>
+              <a:rPr lang="zh-CN" altLang="en-US"/>
+              <a:t>、在快慢指针碰撞的位时候，重新在</a:t>
+            </a:r>
+            <a:r>
+              <a:rPr lang="en-US" altLang="zh-CN"/>
+              <a:t>head</a:t>
+            </a:r>
+            <a:r>
+              <a:rPr lang="zh-CN" altLang="en-US"/>
+              <a:t>放置一个指针</a:t>
+            </a:r>
+            <a:r>
+              <a:rPr lang="en-US" altLang="zh-CN"/>
+              <a:t>p</a:t>
+            </a:r>
+            <a:endParaRPr lang="zh-CN" altLang="en-US"/>
+          </a:p>
+          <a:p>
+            <a:pPr algn="l"/>
+            <a:r>
+              <a:rPr lang="en-US" altLang="zh-CN"/>
+              <a:t>4</a:t>
+            </a:r>
+            <a:r>
+              <a:rPr lang="zh-CN" altLang="en-US"/>
+              <a:t>、继续移动</a:t>
+            </a:r>
+            <a:r>
+              <a:rPr lang="en-US" altLang="zh-CN"/>
+              <a:t>slow</a:t>
+            </a:r>
+            <a:r>
+              <a:rPr lang="zh-CN" altLang="en-US"/>
+              <a:t>和</a:t>
+            </a:r>
+            <a:r>
+              <a:rPr lang="en-US" altLang="zh-CN"/>
+              <a:t>p</a:t>
+            </a:r>
+            <a:r>
+              <a:rPr lang="zh-CN" altLang="en-US"/>
+              <a:t>两个指针，直到</a:t>
+            </a:r>
+            <a:r>
+              <a:rPr lang="en-US" altLang="zh-CN"/>
+              <a:t>slow</a:t>
+            </a:r>
+            <a:r>
+              <a:rPr lang="zh-CN" altLang="en-US"/>
+              <a:t>与</a:t>
+            </a:r>
+            <a:r>
+              <a:rPr lang="en-US" altLang="zh-CN"/>
+              <a:t>p</a:t>
+            </a:r>
+            <a:r>
+              <a:rPr lang="zh-CN" altLang="en-US"/>
+              <a:t>碰撞的时候即为所求</a:t>
+            </a:r>
+            <a:endParaRPr lang="zh-CN" altLang="en-US"/>
+          </a:p>
+        </p:txBody>
+      </p:sp>
+      <p:sp>
+        <p:nvSpPr>
+          <p:cNvPr id="5" name="圆角矩形 4"/>
+          <p:cNvSpPr/>
+          <p:nvPr/>
+        </p:nvSpPr>
+        <p:spPr>
+          <a:xfrm>
+            <a:off x="1998345" y="1802130"/>
+            <a:ext cx="363855" cy="358140"/>
+          </a:xfrm>
+          <a:prstGeom prst="roundRect">
+            <a:avLst/>
+          </a:prstGeom>
+        </p:spPr>
+        <p:style>
+          <a:lnRef idx="2">
+            <a:schemeClr val="accent1">
+              <a:shade val="50000"/>
+            </a:schemeClr>
+          </a:lnRef>
+          <a:fillRef idx="1">
+            <a:schemeClr val="accent1"/>
+          </a:fillRef>
+          <a:effectRef idx="0">
+            <a:schemeClr val="accent1"/>
+          </a:effectRef>
+          <a:fontRef idx="minor">
+            <a:schemeClr val="lt1"/>
+          </a:fontRef>
+        </p:style>
+        <p:txBody>
+          <a:bodyPr rtlCol="0" anchor="ctr"/>
+          <a:p>
+            <a:pPr algn="ctr"/>
+            <a:r>
+              <a:rPr lang="en-US" altLang="zh-CN"/>
+              <a:t>2</a:t>
+            </a:r>
+            <a:endParaRPr lang="en-US" altLang="zh-CN"/>
+          </a:p>
+        </p:txBody>
+      </p:sp>
+      <p:sp>
+        <p:nvSpPr>
+          <p:cNvPr id="10" name="圆角矩形 9"/>
+          <p:cNvSpPr/>
+          <p:nvPr/>
+        </p:nvSpPr>
+        <p:spPr>
+          <a:xfrm>
+            <a:off x="2637155" y="1802130"/>
+            <a:ext cx="363855" cy="358140"/>
+          </a:xfrm>
+          <a:prstGeom prst="roundRect">
+            <a:avLst/>
+          </a:prstGeom>
+        </p:spPr>
+        <p:style>
+          <a:lnRef idx="2">
+            <a:schemeClr val="accent1">
+              <a:shade val="50000"/>
+            </a:schemeClr>
+          </a:lnRef>
+          <a:fillRef idx="1">
+            <a:schemeClr val="accent1"/>
+          </a:fillRef>
+          <a:effectRef idx="0">
+            <a:schemeClr val="accent1"/>
+          </a:effectRef>
+          <a:fontRef idx="minor">
+            <a:schemeClr val="lt1"/>
+          </a:fontRef>
+        </p:style>
+        <p:txBody>
+          <a:bodyPr rtlCol="0" anchor="ctr"/>
+          <a:p>
+            <a:pPr algn="ctr"/>
+            <a:r>
+              <a:rPr lang="en-US" altLang="zh-CN"/>
+              <a:t>3</a:t>
+            </a:r>
+            <a:endParaRPr lang="en-US" altLang="zh-CN"/>
+          </a:p>
+        </p:txBody>
+      </p:sp>
+      <p:sp>
+        <p:nvSpPr>
+          <p:cNvPr id="11" name="圆角矩形 10"/>
+          <p:cNvSpPr/>
+          <p:nvPr/>
+        </p:nvSpPr>
+        <p:spPr>
+          <a:xfrm>
+            <a:off x="3283585" y="1802130"/>
+            <a:ext cx="363855" cy="358140"/>
+          </a:xfrm>
+          <a:prstGeom prst="roundRect">
+            <a:avLst/>
+          </a:prstGeom>
+        </p:spPr>
+        <p:style>
+          <a:lnRef idx="2">
+            <a:schemeClr val="accent1">
+              <a:shade val="50000"/>
+            </a:schemeClr>
+          </a:lnRef>
+          <a:fillRef idx="1">
+            <a:schemeClr val="accent1"/>
+          </a:fillRef>
+          <a:effectRef idx="0">
+            <a:schemeClr val="accent1"/>
+          </a:effectRef>
+          <a:fontRef idx="minor">
+            <a:schemeClr val="lt1"/>
+          </a:fontRef>
+        </p:style>
+        <p:txBody>
+          <a:bodyPr rtlCol="0" anchor="ctr"/>
+          <a:p>
+            <a:pPr algn="ctr"/>
+            <a:r>
+              <a:rPr lang="en-US" altLang="zh-CN"/>
+              <a:t>4</a:t>
+            </a:r>
+            <a:endParaRPr lang="en-US" altLang="zh-CN"/>
+          </a:p>
+        </p:txBody>
+      </p:sp>
+      <p:sp>
+        <p:nvSpPr>
+          <p:cNvPr id="12" name="圆角矩形 11"/>
+          <p:cNvSpPr/>
+          <p:nvPr/>
+        </p:nvSpPr>
+        <p:spPr>
+          <a:xfrm>
+            <a:off x="3921760" y="1802130"/>
+            <a:ext cx="363855" cy="358140"/>
+          </a:xfrm>
+          <a:prstGeom prst="roundRect">
+            <a:avLst/>
+          </a:prstGeom>
+        </p:spPr>
+        <p:style>
+          <a:lnRef idx="2">
+            <a:schemeClr val="accent1">
+              <a:shade val="50000"/>
+            </a:schemeClr>
+          </a:lnRef>
+          <a:fillRef idx="1">
+            <a:schemeClr val="accent1"/>
+          </a:fillRef>
+          <a:effectRef idx="0">
+            <a:schemeClr val="accent1"/>
+          </a:effectRef>
+          <a:fontRef idx="minor">
+            <a:schemeClr val="lt1"/>
+          </a:fontRef>
+        </p:style>
+        <p:txBody>
+          <a:bodyPr rtlCol="0" anchor="ctr"/>
+          <a:p>
+            <a:pPr algn="ctr"/>
+            <a:r>
+              <a:rPr lang="en-US" altLang="zh-CN"/>
+              <a:t>5</a:t>
+            </a:r>
+            <a:endParaRPr lang="en-US" altLang="zh-CN"/>
+          </a:p>
+        </p:txBody>
+      </p:sp>
+      <p:sp>
+        <p:nvSpPr>
+          <p:cNvPr id="13" name="圆角矩形 12"/>
+          <p:cNvSpPr/>
+          <p:nvPr/>
+        </p:nvSpPr>
+        <p:spPr>
+          <a:xfrm>
+            <a:off x="4568190" y="1802130"/>
+            <a:ext cx="363855" cy="358140"/>
+          </a:xfrm>
+          <a:prstGeom prst="roundRect">
+            <a:avLst/>
+          </a:prstGeom>
+        </p:spPr>
+        <p:style>
+          <a:lnRef idx="2">
+            <a:schemeClr val="accent1">
+              <a:shade val="50000"/>
+            </a:schemeClr>
+          </a:lnRef>
+          <a:fillRef idx="1">
+            <a:schemeClr val="accent1"/>
+          </a:fillRef>
+          <a:effectRef idx="0">
+            <a:schemeClr val="accent1"/>
+          </a:effectRef>
+          <a:fontRef idx="minor">
+            <a:schemeClr val="lt1"/>
+          </a:fontRef>
+        </p:style>
+        <p:txBody>
+          <a:bodyPr rtlCol="0" anchor="ctr"/>
+          <a:p>
+            <a:pPr algn="ctr"/>
+            <a:r>
+              <a:rPr lang="en-US" altLang="zh-CN"/>
+              <a:t>6</a:t>
+            </a:r>
+            <a:endParaRPr lang="en-US" altLang="zh-CN"/>
+          </a:p>
+        </p:txBody>
+      </p:sp>
+      <p:sp>
+        <p:nvSpPr>
+          <p:cNvPr id="14" name="圆角矩形 13"/>
+          <p:cNvSpPr/>
+          <p:nvPr/>
+        </p:nvSpPr>
+        <p:spPr>
+          <a:xfrm>
+            <a:off x="5130165" y="659130"/>
+            <a:ext cx="363855" cy="358140"/>
+          </a:xfrm>
+          <a:prstGeom prst="roundRect">
+            <a:avLst/>
+          </a:prstGeom>
+        </p:spPr>
+        <p:style>
+          <a:lnRef idx="2">
+            <a:schemeClr val="accent1">
+              <a:shade val="50000"/>
+            </a:schemeClr>
+          </a:lnRef>
+          <a:fillRef idx="1">
+            <a:schemeClr val="accent1"/>
+          </a:fillRef>
+          <a:effectRef idx="0">
+            <a:schemeClr val="accent1"/>
+          </a:effectRef>
+          <a:fontRef idx="minor">
+            <a:schemeClr val="lt1"/>
+          </a:fontRef>
+        </p:style>
+        <p:txBody>
+          <a:bodyPr rtlCol="0" anchor="ctr"/>
+          <a:p>
+            <a:pPr algn="ctr"/>
+            <a:r>
+              <a:rPr lang="en-US" altLang="zh-CN"/>
+              <a:t>7</a:t>
+            </a:r>
+            <a:endParaRPr lang="en-US" altLang="zh-CN"/>
+          </a:p>
+        </p:txBody>
+      </p:sp>
+      <p:sp>
+        <p:nvSpPr>
+          <p:cNvPr id="15" name="圆角矩形 14"/>
+          <p:cNvSpPr/>
+          <p:nvPr/>
+        </p:nvSpPr>
+        <p:spPr>
+          <a:xfrm>
+            <a:off x="6319520" y="659130"/>
+            <a:ext cx="363855" cy="358140"/>
+          </a:xfrm>
+          <a:prstGeom prst="roundRect">
+            <a:avLst/>
+          </a:prstGeom>
+        </p:spPr>
+        <p:style>
+          <a:lnRef idx="2">
+            <a:schemeClr val="accent1">
+              <a:shade val="50000"/>
+            </a:schemeClr>
+          </a:lnRef>
+          <a:fillRef idx="1">
+            <a:schemeClr val="accent1"/>
+          </a:fillRef>
+          <a:effectRef idx="0">
+            <a:schemeClr val="accent1"/>
+          </a:effectRef>
+          <a:fontRef idx="minor">
+            <a:schemeClr val="lt1"/>
+          </a:fontRef>
+        </p:style>
+        <p:txBody>
+          <a:bodyPr rtlCol="0" anchor="ctr"/>
+          <a:p>
+            <a:pPr algn="ctr"/>
+            <a:r>
+              <a:rPr lang="en-US" altLang="zh-CN"/>
+              <a:t>8</a:t>
+            </a:r>
+            <a:endParaRPr lang="en-US" altLang="zh-CN"/>
+          </a:p>
+        </p:txBody>
+      </p:sp>
+      <p:sp>
+        <p:nvSpPr>
+          <p:cNvPr id="16" name="圆角矩形 15"/>
+          <p:cNvSpPr/>
+          <p:nvPr/>
+        </p:nvSpPr>
+        <p:spPr>
+          <a:xfrm>
+            <a:off x="5130165" y="2987675"/>
+            <a:ext cx="363855" cy="358140"/>
+          </a:xfrm>
+          <a:prstGeom prst="roundRect">
+            <a:avLst/>
+          </a:prstGeom>
+        </p:spPr>
+        <p:style>
+          <a:lnRef idx="2">
+            <a:schemeClr val="accent1">
+              <a:shade val="50000"/>
+            </a:schemeClr>
+          </a:lnRef>
+          <a:fillRef idx="1">
+            <a:schemeClr val="accent1"/>
+          </a:fillRef>
+          <a:effectRef idx="0">
+            <a:schemeClr val="accent1"/>
+          </a:effectRef>
+          <a:fontRef idx="minor">
+            <a:schemeClr val="lt1"/>
+          </a:fontRef>
+        </p:style>
+        <p:txBody>
+          <a:bodyPr rtlCol="0" anchor="ctr"/>
+          <a:p>
+            <a:pPr algn="ctr"/>
+            <a:r>
+              <a:rPr lang="en-US" altLang="zh-CN" sz="1000"/>
+              <a:t>12</a:t>
+            </a:r>
+            <a:endParaRPr lang="en-US" altLang="zh-CN" sz="1000"/>
+          </a:p>
+        </p:txBody>
+      </p:sp>
+      <p:sp>
+        <p:nvSpPr>
+          <p:cNvPr id="18" name="圆角矩形 17"/>
+          <p:cNvSpPr/>
+          <p:nvPr/>
+        </p:nvSpPr>
+        <p:spPr>
+          <a:xfrm>
+            <a:off x="6319520" y="2987675"/>
+            <a:ext cx="363855" cy="358140"/>
+          </a:xfrm>
+          <a:prstGeom prst="roundRect">
+            <a:avLst/>
+          </a:prstGeom>
+        </p:spPr>
+        <p:style>
+          <a:lnRef idx="2">
+            <a:schemeClr val="accent1">
+              <a:shade val="50000"/>
+            </a:schemeClr>
+          </a:lnRef>
+          <a:fillRef idx="1">
+            <a:schemeClr val="accent1"/>
+          </a:fillRef>
+          <a:effectRef idx="0">
+            <a:schemeClr val="accent1"/>
+          </a:effectRef>
+          <a:fontRef idx="minor">
+            <a:schemeClr val="lt1"/>
+          </a:fontRef>
+        </p:style>
+        <p:txBody>
+          <a:bodyPr rtlCol="0" anchor="ctr"/>
+          <a:p>
+            <a:pPr algn="ctr"/>
+            <a:r>
+              <a:rPr lang="en-US" altLang="zh-CN" sz="1000"/>
+              <a:t>11</a:t>
+            </a:r>
+            <a:endParaRPr lang="en-US" altLang="zh-CN" sz="1000"/>
+          </a:p>
+        </p:txBody>
+      </p:sp>
+      <p:sp>
+        <p:nvSpPr>
+          <p:cNvPr id="20" name="圆角矩形 19"/>
+          <p:cNvSpPr/>
+          <p:nvPr/>
+        </p:nvSpPr>
+        <p:spPr>
+          <a:xfrm>
+            <a:off x="7261860" y="1362075"/>
+            <a:ext cx="363855" cy="358140"/>
+          </a:xfrm>
+          <a:prstGeom prst="roundRect">
+            <a:avLst/>
+          </a:prstGeom>
+        </p:spPr>
+        <p:style>
+          <a:lnRef idx="2">
+            <a:schemeClr val="accent1">
+              <a:shade val="50000"/>
+            </a:schemeClr>
+          </a:lnRef>
+          <a:fillRef idx="1">
+            <a:schemeClr val="accent1"/>
+          </a:fillRef>
+          <a:effectRef idx="0">
+            <a:schemeClr val="accent1"/>
+          </a:effectRef>
+          <a:fontRef idx="minor">
+            <a:schemeClr val="lt1"/>
+          </a:fontRef>
+        </p:style>
+        <p:txBody>
+          <a:bodyPr rtlCol="0" anchor="ctr"/>
+          <a:p>
+            <a:pPr algn="ctr"/>
+            <a:r>
+              <a:rPr lang="en-US" altLang="zh-CN"/>
+              <a:t>9</a:t>
+            </a:r>
+            <a:endParaRPr lang="en-US" altLang="zh-CN"/>
+          </a:p>
+        </p:txBody>
+      </p:sp>
+      <p:sp>
+        <p:nvSpPr>
+          <p:cNvPr id="21" name="圆角矩形 20"/>
+          <p:cNvSpPr/>
+          <p:nvPr/>
+        </p:nvSpPr>
+        <p:spPr>
+          <a:xfrm>
+            <a:off x="7261225" y="2456815"/>
+            <a:ext cx="363855" cy="358140"/>
+          </a:xfrm>
+          <a:prstGeom prst="roundRect">
+            <a:avLst/>
+          </a:prstGeom>
+        </p:spPr>
+        <p:style>
+          <a:lnRef idx="2">
+            <a:schemeClr val="accent1">
+              <a:shade val="50000"/>
+            </a:schemeClr>
+          </a:lnRef>
+          <a:fillRef idx="1">
+            <a:schemeClr val="accent1"/>
+          </a:fillRef>
+          <a:effectRef idx="0">
+            <a:schemeClr val="accent1"/>
+          </a:effectRef>
+          <a:fontRef idx="minor">
+            <a:schemeClr val="lt1"/>
+          </a:fontRef>
+        </p:style>
+        <p:txBody>
+          <a:bodyPr rtlCol="0" anchor="ctr"/>
+          <a:p>
+            <a:pPr algn="ctr"/>
+            <a:r>
+              <a:rPr lang="en-US" altLang="zh-CN" sz="1000"/>
+              <a:t>10</a:t>
+            </a:r>
+            <a:endParaRPr lang="en-US" altLang="zh-CN" sz="1000"/>
+          </a:p>
+        </p:txBody>
+      </p:sp>
+      <p:cxnSp>
+        <p:nvCxnSpPr>
+          <p:cNvPr id="24" name="直接箭头连接符 23"/>
+          <p:cNvCxnSpPr>
+            <a:stCxn id="5" idx="3"/>
+            <a:endCxn id="10" idx="1"/>
+          </p:cNvCxnSpPr>
+          <p:nvPr/>
+        </p:nvCxnSpPr>
+        <p:spPr>
+          <a:xfrm>
+            <a:off x="2362200" y="1981200"/>
+            <a:ext cx="274955" cy="0"/>
+          </a:xfrm>
+          <a:prstGeom prst="straightConnector1">
+            <a:avLst/>
+          </a:prstGeom>
+          <a:ln w="25400">
+            <a:solidFill>
+              <a:srgbClr val="7030A0"/>
+            </a:solidFill>
+            <a:tailEnd type="arrow"/>
+          </a:ln>
+        </p:spPr>
+        <p:style>
+          <a:lnRef idx="1">
+            <a:schemeClr val="accent1"/>
+          </a:lnRef>
+          <a:fillRef idx="0">
+            <a:schemeClr val="accent1"/>
+          </a:fillRef>
+          <a:effectRef idx="0">
+            <a:schemeClr val="accent1"/>
+          </a:effectRef>
+          <a:fontRef idx="minor">
+            <a:schemeClr val="tx1"/>
+          </a:fontRef>
+        </p:style>
+      </p:cxnSp>
+      <p:cxnSp>
+        <p:nvCxnSpPr>
+          <p:cNvPr id="28" name="直接箭头连接符 27"/>
+          <p:cNvCxnSpPr>
+            <a:stCxn id="10" idx="3"/>
+            <a:endCxn id="11" idx="1"/>
+          </p:cNvCxnSpPr>
+          <p:nvPr/>
+        </p:nvCxnSpPr>
+        <p:spPr>
+          <a:xfrm>
+            <a:off x="3001010" y="1981200"/>
+            <a:ext cx="282575" cy="0"/>
+          </a:xfrm>
+          <a:prstGeom prst="straightConnector1">
+            <a:avLst/>
+          </a:prstGeom>
+          <a:ln w="25400">
+            <a:solidFill>
+              <a:srgbClr val="7030A0"/>
+            </a:solidFill>
+            <a:tailEnd type="arrow"/>
+          </a:ln>
+        </p:spPr>
+        <p:style>
+          <a:lnRef idx="1">
+            <a:schemeClr val="accent1"/>
+          </a:lnRef>
+          <a:fillRef idx="0">
+            <a:schemeClr val="accent1"/>
+          </a:fillRef>
+          <a:effectRef idx="0">
+            <a:schemeClr val="accent1"/>
+          </a:effectRef>
+          <a:fontRef idx="minor">
+            <a:schemeClr val="tx1"/>
+          </a:fontRef>
+        </p:style>
+      </p:cxnSp>
+      <p:cxnSp>
+        <p:nvCxnSpPr>
+          <p:cNvPr id="31" name="直接箭头连接符 30"/>
+          <p:cNvCxnSpPr>
+            <a:stCxn id="11" idx="3"/>
+            <a:endCxn id="12" idx="1"/>
+          </p:cNvCxnSpPr>
+          <p:nvPr/>
+        </p:nvCxnSpPr>
+        <p:spPr>
+          <a:xfrm>
+            <a:off x="3647440" y="1981200"/>
+            <a:ext cx="274320" cy="0"/>
+          </a:xfrm>
+          <a:prstGeom prst="straightConnector1">
+            <a:avLst/>
+          </a:prstGeom>
+          <a:ln w="25400">
+            <a:solidFill>
+              <a:srgbClr val="7030A0"/>
+            </a:solidFill>
+            <a:tailEnd type="arrow"/>
+          </a:ln>
+        </p:spPr>
+        <p:style>
+          <a:lnRef idx="1">
+            <a:schemeClr val="accent1"/>
+          </a:lnRef>
+          <a:fillRef idx="0">
+            <a:schemeClr val="accent1"/>
+          </a:fillRef>
+          <a:effectRef idx="0">
+            <a:schemeClr val="accent1"/>
+          </a:effectRef>
+          <a:fontRef idx="minor">
+            <a:schemeClr val="tx1"/>
+          </a:fontRef>
+        </p:style>
+      </p:cxnSp>
+      <p:cxnSp>
+        <p:nvCxnSpPr>
+          <p:cNvPr id="33" name="直接箭头连接符 32"/>
+          <p:cNvCxnSpPr>
+            <a:stCxn id="12" idx="3"/>
+            <a:endCxn id="13" idx="1"/>
+          </p:cNvCxnSpPr>
+          <p:nvPr/>
+        </p:nvCxnSpPr>
+        <p:spPr>
+          <a:xfrm>
+            <a:off x="4285615" y="1981200"/>
+            <a:ext cx="282575" cy="0"/>
+          </a:xfrm>
+          <a:prstGeom prst="straightConnector1">
+            <a:avLst/>
+          </a:prstGeom>
+          <a:ln w="25400">
+            <a:solidFill>
+              <a:srgbClr val="7030A0"/>
+            </a:solidFill>
+            <a:tailEnd type="arrow"/>
+          </a:ln>
+        </p:spPr>
+        <p:style>
+          <a:lnRef idx="1">
+            <a:schemeClr val="accent1"/>
+          </a:lnRef>
+          <a:fillRef idx="0">
+            <a:schemeClr val="accent1"/>
+          </a:fillRef>
+          <a:effectRef idx="0">
+            <a:schemeClr val="accent1"/>
+          </a:effectRef>
+          <a:fontRef idx="minor">
+            <a:schemeClr val="tx1"/>
+          </a:fontRef>
+        </p:style>
+      </p:cxnSp>
+      <p:cxnSp>
+        <p:nvCxnSpPr>
+          <p:cNvPr id="34" name="直接箭头连接符 33"/>
+          <p:cNvCxnSpPr>
+            <a:stCxn id="13" idx="0"/>
+            <a:endCxn id="14" idx="1"/>
+          </p:cNvCxnSpPr>
+          <p:nvPr/>
+        </p:nvCxnSpPr>
+        <p:spPr>
+          <a:xfrm flipV="1">
+            <a:off x="4750435" y="838200"/>
+            <a:ext cx="379730" cy="963930"/>
+          </a:xfrm>
+          <a:prstGeom prst="straightConnector1">
+            <a:avLst/>
+          </a:prstGeom>
+          <a:ln w="25400">
+            <a:solidFill>
+              <a:srgbClr val="7030A0"/>
+            </a:solidFill>
+            <a:tailEnd type="arrow"/>
+          </a:ln>
+        </p:spPr>
+        <p:style>
+          <a:lnRef idx="1">
+            <a:schemeClr val="accent1"/>
+          </a:lnRef>
+          <a:fillRef idx="0">
+            <a:schemeClr val="accent1"/>
+          </a:fillRef>
+          <a:effectRef idx="0">
+            <a:schemeClr val="accent1"/>
+          </a:effectRef>
+          <a:fontRef idx="minor">
+            <a:schemeClr val="tx1"/>
+          </a:fontRef>
+        </p:style>
+      </p:cxnSp>
+      <p:cxnSp>
+        <p:nvCxnSpPr>
+          <p:cNvPr id="36" name="直接箭头连接符 35"/>
+          <p:cNvCxnSpPr>
+            <a:stCxn id="14" idx="3"/>
+            <a:endCxn id="15" idx="1"/>
+          </p:cNvCxnSpPr>
+          <p:nvPr/>
+        </p:nvCxnSpPr>
+        <p:spPr>
+          <a:xfrm>
+            <a:off x="5494020" y="838200"/>
+            <a:ext cx="825500" cy="0"/>
+          </a:xfrm>
+          <a:prstGeom prst="straightConnector1">
+            <a:avLst/>
+          </a:prstGeom>
+          <a:ln w="25400">
+            <a:solidFill>
+              <a:srgbClr val="7030A0"/>
+            </a:solidFill>
+            <a:tailEnd type="arrow"/>
+          </a:ln>
+        </p:spPr>
+        <p:style>
+          <a:lnRef idx="1">
+            <a:schemeClr val="accent1"/>
+          </a:lnRef>
+          <a:fillRef idx="0">
+            <a:schemeClr val="accent1"/>
+          </a:fillRef>
+          <a:effectRef idx="0">
+            <a:schemeClr val="accent1"/>
+          </a:effectRef>
+          <a:fontRef idx="minor">
+            <a:schemeClr val="tx1"/>
+          </a:fontRef>
+        </p:style>
+      </p:cxnSp>
+      <p:cxnSp>
+        <p:nvCxnSpPr>
+          <p:cNvPr id="37" name="直接箭头连接符 36"/>
+          <p:cNvCxnSpPr>
+            <a:stCxn id="15" idx="3"/>
+            <a:endCxn id="20" idx="0"/>
+          </p:cNvCxnSpPr>
+          <p:nvPr/>
+        </p:nvCxnSpPr>
+        <p:spPr>
+          <a:xfrm>
+            <a:off x="6683375" y="838200"/>
+            <a:ext cx="760730" cy="523875"/>
+          </a:xfrm>
+          <a:prstGeom prst="straightConnector1">
+            <a:avLst/>
+          </a:prstGeom>
+          <a:ln w="25400">
+            <a:solidFill>
+              <a:srgbClr val="7030A0"/>
+            </a:solidFill>
+            <a:tailEnd type="arrow"/>
+          </a:ln>
+        </p:spPr>
+        <p:style>
+          <a:lnRef idx="1">
+            <a:schemeClr val="accent1"/>
+          </a:lnRef>
+          <a:fillRef idx="0">
+            <a:schemeClr val="accent1"/>
+          </a:fillRef>
+          <a:effectRef idx="0">
+            <a:schemeClr val="accent1"/>
+          </a:effectRef>
+          <a:fontRef idx="minor">
+            <a:schemeClr val="tx1"/>
+          </a:fontRef>
+        </p:style>
+      </p:cxnSp>
+      <p:cxnSp>
+        <p:nvCxnSpPr>
+          <p:cNvPr id="38" name="直接箭头连接符 37"/>
+          <p:cNvCxnSpPr>
+            <a:stCxn id="20" idx="2"/>
+            <a:endCxn id="21" idx="0"/>
+          </p:cNvCxnSpPr>
+          <p:nvPr/>
+        </p:nvCxnSpPr>
+        <p:spPr>
+          <a:xfrm flipH="1">
+            <a:off x="7443470" y="1720215"/>
+            <a:ext cx="635" cy="736600"/>
+          </a:xfrm>
+          <a:prstGeom prst="straightConnector1">
+            <a:avLst/>
+          </a:prstGeom>
+          <a:ln w="25400">
+            <a:solidFill>
+              <a:srgbClr val="7030A0"/>
+            </a:solidFill>
+            <a:tailEnd type="arrow"/>
+          </a:ln>
+        </p:spPr>
+        <p:style>
+          <a:lnRef idx="1">
+            <a:schemeClr val="accent1"/>
+          </a:lnRef>
+          <a:fillRef idx="0">
+            <a:schemeClr val="accent1"/>
+          </a:fillRef>
+          <a:effectRef idx="0">
+            <a:schemeClr val="accent1"/>
+          </a:effectRef>
+          <a:fontRef idx="minor">
+            <a:schemeClr val="tx1"/>
+          </a:fontRef>
+        </p:style>
+      </p:cxnSp>
+      <p:cxnSp>
+        <p:nvCxnSpPr>
+          <p:cNvPr id="39" name="直接箭头连接符 38"/>
+          <p:cNvCxnSpPr>
+            <a:stCxn id="21" idx="2"/>
+            <a:endCxn id="18" idx="3"/>
+          </p:cNvCxnSpPr>
+          <p:nvPr/>
+        </p:nvCxnSpPr>
+        <p:spPr>
+          <a:xfrm flipH="1">
+            <a:off x="6683375" y="2814955"/>
+            <a:ext cx="760095" cy="351790"/>
+          </a:xfrm>
+          <a:prstGeom prst="straightConnector1">
+            <a:avLst/>
+          </a:prstGeom>
+          <a:ln w="25400">
+            <a:solidFill>
+              <a:srgbClr val="7030A0"/>
+            </a:solidFill>
+            <a:tailEnd type="arrow"/>
+          </a:ln>
+        </p:spPr>
+        <p:style>
+          <a:lnRef idx="1">
+            <a:schemeClr val="accent1"/>
+          </a:lnRef>
+          <a:fillRef idx="0">
+            <a:schemeClr val="accent1"/>
+          </a:fillRef>
+          <a:effectRef idx="0">
+            <a:schemeClr val="accent1"/>
+          </a:effectRef>
+          <a:fontRef idx="minor">
+            <a:schemeClr val="tx1"/>
+          </a:fontRef>
+        </p:style>
+      </p:cxnSp>
+      <p:cxnSp>
+        <p:nvCxnSpPr>
+          <p:cNvPr id="40" name="直接箭头连接符 39"/>
+          <p:cNvCxnSpPr>
+            <a:stCxn id="16" idx="1"/>
+            <a:endCxn id="13" idx="2"/>
+          </p:cNvCxnSpPr>
+          <p:nvPr/>
+        </p:nvCxnSpPr>
+        <p:spPr>
+          <a:xfrm flipH="1" flipV="1">
+            <a:off x="4750435" y="2160270"/>
+            <a:ext cx="379730" cy="1006475"/>
+          </a:xfrm>
+          <a:prstGeom prst="straightConnector1">
+            <a:avLst/>
+          </a:prstGeom>
+          <a:ln w="25400">
+            <a:solidFill>
+              <a:srgbClr val="7030A0"/>
+            </a:solidFill>
+            <a:tailEnd type="arrow"/>
+          </a:ln>
+        </p:spPr>
+        <p:style>
+          <a:lnRef idx="1">
+            <a:schemeClr val="accent1"/>
+          </a:lnRef>
+          <a:fillRef idx="0">
+            <a:schemeClr val="accent1"/>
+          </a:fillRef>
+          <a:effectRef idx="0">
+            <a:schemeClr val="accent1"/>
+          </a:effectRef>
+          <a:fontRef idx="minor">
+            <a:schemeClr val="tx1"/>
+          </a:fontRef>
+        </p:style>
+      </p:cxnSp>
+      <p:cxnSp>
+        <p:nvCxnSpPr>
+          <p:cNvPr id="41" name="直接箭头连接符 40"/>
+          <p:cNvCxnSpPr>
+            <a:stCxn id="18" idx="1"/>
+            <a:endCxn id="16" idx="3"/>
+          </p:cNvCxnSpPr>
+          <p:nvPr/>
+        </p:nvCxnSpPr>
+        <p:spPr>
+          <a:xfrm flipH="1">
+            <a:off x="5494020" y="3166745"/>
+            <a:ext cx="825500" cy="0"/>
+          </a:xfrm>
+          <a:prstGeom prst="straightConnector1">
+            <a:avLst/>
+          </a:prstGeom>
+          <a:ln w="25400">
+            <a:solidFill>
+              <a:srgbClr val="7030A0"/>
+            </a:solidFill>
+            <a:tailEnd type="arrow"/>
+          </a:ln>
+        </p:spPr>
+        <p:style>
+          <a:lnRef idx="1">
+            <a:schemeClr val="accent1"/>
+          </a:lnRef>
+          <a:fillRef idx="0">
+            <a:schemeClr val="accent1"/>
+          </a:fillRef>
+          <a:effectRef idx="0">
+            <a:schemeClr val="accent1"/>
+          </a:effectRef>
+          <a:fontRef idx="minor">
+            <a:schemeClr val="tx1"/>
+          </a:fontRef>
+        </p:style>
+      </p:cxnSp>
+    </p:spTree>
+  </p:cSld>
+  <p:clrMapOvr>
+    <a:masterClrMapping/>
+  </p:clrMapOvr>
+</p:sld>
+</file>
+
+<file path=ppt/slides/slide36.xml><?xml version="1.0" encoding="utf-8"?>
+<p:sld xmlns:a="http://schemas.openxmlformats.org/drawingml/2006/main" xmlns:r="http://schemas.openxmlformats.org/officeDocument/2006/relationships" xmlns:p="http://schemas.openxmlformats.org/presentationml/2006/main">
+  <p:cSld>
+    <p:spTree>
+      <p:nvGrpSpPr>
+        <p:cNvPr id="1" name=""/>
+        <p:cNvGrpSpPr/>
+        <p:nvPr/>
+      </p:nvGrpSpPr>
+      <p:grpSpPr>
+        <a:xfrm>
+          <a:off x="0" y="0"/>
+          <a:ext cx="0" cy="0"/>
+          <a:chOff x="0" y="0"/>
+          <a:chExt cx="0" cy="0"/>
+        </a:xfrm>
+      </p:grpSpPr>
+      <p:sp>
+        <p:nvSpPr>
+          <p:cNvPr id="17" name="圆角矩形 16"/>
+          <p:cNvSpPr/>
+          <p:nvPr/>
+        </p:nvSpPr>
+        <p:spPr>
+          <a:xfrm>
+            <a:off x="1351915" y="1802130"/>
+            <a:ext cx="363855" cy="358140"/>
+          </a:xfrm>
+          <a:prstGeom prst="roundRect">
+            <a:avLst/>
+          </a:prstGeom>
+        </p:spPr>
+        <p:style>
+          <a:lnRef idx="2">
+            <a:schemeClr val="accent1">
+              <a:shade val="50000"/>
+            </a:schemeClr>
+          </a:lnRef>
+          <a:fillRef idx="1">
+            <a:schemeClr val="accent1"/>
+          </a:fillRef>
+          <a:effectRef idx="0">
+            <a:schemeClr val="accent1"/>
+          </a:effectRef>
+          <a:fontRef idx="minor">
+            <a:schemeClr val="lt1"/>
+          </a:fontRef>
+        </p:style>
+        <p:txBody>
+          <a:bodyPr rtlCol="0" anchor="ctr"/>
+          <a:p>
+            <a:pPr algn="ctr"/>
+            <a:r>
+              <a:rPr lang="en-US" altLang="zh-CN"/>
+              <a:t>1</a:t>
+            </a:r>
+            <a:endParaRPr lang="en-US" altLang="zh-CN"/>
+          </a:p>
+        </p:txBody>
+      </p:sp>
+      <p:sp>
+        <p:nvSpPr>
+          <p:cNvPr id="23" name="文本框 22"/>
+          <p:cNvSpPr txBox="1"/>
+          <p:nvPr/>
+        </p:nvSpPr>
+        <p:spPr>
+          <a:xfrm>
+            <a:off x="6797675" y="4147185"/>
+            <a:ext cx="662305" cy="368300"/>
+          </a:xfrm>
+          <a:prstGeom prst="rect">
+            <a:avLst/>
+          </a:prstGeom>
+          <a:noFill/>
+        </p:spPr>
+        <p:txBody>
+          <a:bodyPr wrap="square" rtlCol="0">
+            <a:spAutoFit/>
+          </a:bodyPr>
+          <a:p>
+            <a:r>
+              <a:rPr lang="en-US" altLang="zh-CN"/>
+              <a:t>slow</a:t>
+            </a:r>
+            <a:endParaRPr lang="en-US" altLang="zh-CN"/>
+          </a:p>
+        </p:txBody>
+      </p:sp>
+      <p:cxnSp>
+        <p:nvCxnSpPr>
+          <p:cNvPr id="32" name="直接箭头连接符 31"/>
+          <p:cNvCxnSpPr>
+            <a:stCxn id="17" idx="3"/>
+            <a:endCxn id="5" idx="1"/>
+          </p:cNvCxnSpPr>
+          <p:nvPr/>
+        </p:nvCxnSpPr>
+        <p:spPr>
+          <a:xfrm>
+            <a:off x="1715770" y="1981200"/>
+            <a:ext cx="282575" cy="0"/>
+          </a:xfrm>
+          <a:prstGeom prst="straightConnector1">
+            <a:avLst/>
+          </a:prstGeom>
+          <a:ln w="25400">
+            <a:solidFill>
+              <a:srgbClr val="7030A0"/>
+            </a:solidFill>
+            <a:tailEnd type="arrow"/>
+          </a:ln>
+        </p:spPr>
+        <p:style>
+          <a:lnRef idx="1">
+            <a:schemeClr val="accent1"/>
+          </a:lnRef>
+          <a:fillRef idx="0">
+            <a:schemeClr val="accent1"/>
+          </a:fillRef>
+          <a:effectRef idx="0">
+            <a:schemeClr val="accent1"/>
+          </a:effectRef>
+          <a:fontRef idx="minor">
+            <a:schemeClr val="tx1"/>
+          </a:fontRef>
+        </p:style>
+      </p:cxnSp>
+      <p:sp>
+        <p:nvSpPr>
+          <p:cNvPr id="35" name="矩形 34"/>
+          <p:cNvSpPr/>
+          <p:nvPr/>
+        </p:nvSpPr>
+        <p:spPr>
+          <a:xfrm>
+            <a:off x="0" y="0"/>
+            <a:ext cx="2268855" cy="428625"/>
+          </a:xfrm>
+          <a:prstGeom prst="rect">
+            <a:avLst/>
+          </a:prstGeom>
+          <a:ln w="38100">
+            <a:solidFill>
+              <a:srgbClr val="FF0000"/>
+            </a:solidFill>
+          </a:ln>
+        </p:spPr>
+        <p:style>
+          <a:lnRef idx="2">
+            <a:schemeClr val="accent2"/>
+          </a:lnRef>
+          <a:fillRef idx="1">
+            <a:schemeClr val="lt1"/>
+          </a:fillRef>
+          <a:effectRef idx="0">
+            <a:schemeClr val="accent2"/>
+          </a:effectRef>
+          <a:fontRef idx="minor">
+            <a:schemeClr val="dk1"/>
+          </a:fontRef>
+        </p:style>
+        <p:txBody>
+          <a:bodyPr rtlCol="0" anchor="ctr"/>
+          <a:p>
+            <a:pPr algn="ctr"/>
+            <a:r>
+              <a:rPr lang="zh-CN" altLang="en-US" b="1" dirty="0"/>
+              <a:t>环形链表求入环节点</a:t>
+            </a:r>
+            <a:endParaRPr lang="en-US" altLang="zh-CN" b="1" dirty="0"/>
+          </a:p>
+        </p:txBody>
+      </p:sp>
+      <p:cxnSp>
+        <p:nvCxnSpPr>
+          <p:cNvPr id="3" name="直接箭头连接符 2"/>
+          <p:cNvCxnSpPr>
+            <a:endCxn id="18" idx="2"/>
+          </p:cNvCxnSpPr>
+          <p:nvPr/>
+        </p:nvCxnSpPr>
+        <p:spPr>
+          <a:xfrm flipH="1" flipV="1">
+            <a:off x="6501765" y="3345815"/>
+            <a:ext cx="626745" cy="662305"/>
+          </a:xfrm>
+          <a:prstGeom prst="straightConnector1">
+            <a:avLst/>
+          </a:prstGeom>
+          <a:ln w="38100">
+            <a:solidFill>
+              <a:srgbClr val="FF0000"/>
+            </a:solidFill>
+            <a:prstDash val="sysDot"/>
+            <a:tailEnd type="arrow"/>
+          </a:ln>
+        </p:spPr>
+        <p:style>
+          <a:lnRef idx="1">
+            <a:schemeClr val="accent1"/>
+          </a:lnRef>
+          <a:fillRef idx="0">
+            <a:schemeClr val="accent1"/>
+          </a:fillRef>
+          <a:effectRef idx="0">
+            <a:schemeClr val="accent1"/>
+          </a:effectRef>
+          <a:fontRef idx="minor">
+            <a:schemeClr val="tx1"/>
+          </a:fontRef>
+        </p:style>
+      </p:cxnSp>
+      <p:sp>
+        <p:nvSpPr>
+          <p:cNvPr id="4" name="文本框 3"/>
+          <p:cNvSpPr txBox="1"/>
+          <p:nvPr/>
+        </p:nvSpPr>
+        <p:spPr>
+          <a:xfrm>
+            <a:off x="6832600" y="3925570"/>
+            <a:ext cx="591820" cy="368300"/>
+          </a:xfrm>
+          <a:prstGeom prst="rect">
+            <a:avLst/>
+          </a:prstGeom>
+          <a:noFill/>
+        </p:spPr>
+        <p:txBody>
+          <a:bodyPr wrap="square" rtlCol="0">
+            <a:spAutoFit/>
+          </a:bodyPr>
+          <a:p>
+            <a:r>
+              <a:rPr lang="en-US" altLang="zh-CN"/>
+              <a:t>fast</a:t>
+            </a:r>
+            <a:endParaRPr lang="en-US" altLang="zh-CN"/>
+          </a:p>
+        </p:txBody>
+      </p:sp>
+      <p:sp>
+        <p:nvSpPr>
+          <p:cNvPr id="6" name="文本框 5"/>
+          <p:cNvSpPr txBox="1"/>
+          <p:nvPr/>
+        </p:nvSpPr>
+        <p:spPr>
+          <a:xfrm>
+            <a:off x="1249045" y="4293870"/>
+            <a:ext cx="5993765" cy="2030095"/>
+          </a:xfrm>
+          <a:prstGeom prst="rect">
+            <a:avLst/>
+          </a:prstGeom>
+          <a:noFill/>
+        </p:spPr>
+        <p:txBody>
+          <a:bodyPr wrap="none" rtlCol="0">
+            <a:spAutoFit/>
+          </a:bodyPr>
+          <a:p>
+            <a:pPr algn="l"/>
+            <a:r>
+              <a:rPr lang="zh-CN" altLang="en-US"/>
+              <a:t>假设开始的时候 </a:t>
+            </a:r>
+            <a:r>
+              <a:rPr lang="en-US" altLang="zh-CN"/>
+              <a:t>fast</a:t>
+            </a:r>
+            <a:r>
+              <a:rPr lang="zh-CN" altLang="en-US"/>
+              <a:t>、</a:t>
+            </a:r>
+            <a:r>
+              <a:rPr lang="en-US" altLang="zh-CN"/>
+              <a:t>head</a:t>
+            </a:r>
+            <a:r>
+              <a:rPr lang="zh-CN" altLang="en-US"/>
+              <a:t>、</a:t>
+            </a:r>
+            <a:r>
+              <a:rPr lang="en-US" altLang="zh-CN"/>
+              <a:t>slow</a:t>
+            </a:r>
+            <a:r>
+              <a:rPr lang="zh-CN" altLang="en-US"/>
+              <a:t>都开同一位置</a:t>
+            </a:r>
+            <a:endParaRPr lang="zh-CN" altLang="en-US"/>
+          </a:p>
+          <a:p>
+            <a:pPr algn="l"/>
+            <a:r>
+              <a:rPr lang="en-US" altLang="zh-CN"/>
+              <a:t>fast</a:t>
+            </a:r>
+            <a:r>
+              <a:rPr lang="zh-CN" altLang="en-US"/>
+              <a:t>：</a:t>
+            </a:r>
+            <a:r>
+              <a:rPr lang="en-US" altLang="zh-CN"/>
+              <a:t>a+(b+c)*n+b</a:t>
+            </a:r>
+            <a:endParaRPr lang="en-US" altLang="zh-CN"/>
+          </a:p>
+          <a:p>
+            <a:pPr algn="l"/>
+            <a:r>
+              <a:rPr lang="en-US" altLang="zh-CN"/>
+              <a:t>slow</a:t>
+            </a:r>
+            <a:r>
+              <a:rPr lang="zh-CN" altLang="en-US"/>
+              <a:t>：</a:t>
+            </a:r>
+            <a:r>
+              <a:rPr lang="en-US" altLang="zh-CN"/>
+              <a:t>a+b</a:t>
+            </a:r>
+            <a:endParaRPr lang="en-US" altLang="zh-CN"/>
+          </a:p>
+          <a:p>
+            <a:pPr algn="l"/>
+            <a:r>
+              <a:rPr lang="zh-CN" altLang="en-US"/>
+              <a:t>所以：</a:t>
+            </a:r>
+            <a:r>
+              <a:rPr lang="en-US" altLang="zh-CN">
+                <a:sym typeface="+mn-ea"/>
+              </a:rPr>
+              <a:t>(b+c)*n = a+b</a:t>
+            </a:r>
+            <a:endParaRPr lang="en-US" altLang="zh-CN">
+              <a:sym typeface="+mn-ea"/>
+            </a:endParaRPr>
+          </a:p>
+          <a:p>
+            <a:pPr algn="l"/>
+            <a:r>
+              <a:rPr lang="en-US" altLang="zh-CN"/>
+              <a:t>a = </a:t>
+            </a:r>
+            <a:r>
+              <a:rPr lang="en-US" altLang="zh-CN">
+                <a:sym typeface="+mn-ea"/>
+              </a:rPr>
+              <a:t>(b+c)*n-b = (b+c)*(n-1) + c</a:t>
+            </a:r>
+            <a:endParaRPr lang="en-US" altLang="zh-CN">
+              <a:sym typeface="+mn-ea"/>
+            </a:endParaRPr>
+          </a:p>
+          <a:p>
+            <a:pPr algn="l"/>
+            <a:r>
+              <a:rPr lang="zh-CN" altLang="zh-CN"/>
+              <a:t>所以，一个指针走完</a:t>
+            </a:r>
+            <a:r>
+              <a:rPr lang="en-US" altLang="zh-CN"/>
+              <a:t>a</a:t>
+            </a:r>
+            <a:r>
+              <a:rPr lang="zh-CN" altLang="en-US"/>
+              <a:t>的时间，</a:t>
+            </a:r>
+            <a:r>
+              <a:rPr lang="en-US" altLang="zh-CN"/>
+              <a:t>slow</a:t>
+            </a:r>
+            <a:r>
+              <a:rPr lang="zh-CN" altLang="en-US"/>
+              <a:t>指针会走</a:t>
+            </a:r>
+            <a:r>
+              <a:rPr lang="en-US" altLang="zh-CN">
+                <a:sym typeface="+mn-ea"/>
+              </a:rPr>
+              <a:t> (b+c)*(n-1) + c</a:t>
+            </a:r>
+            <a:endParaRPr lang="en-US" altLang="zh-CN">
+              <a:sym typeface="+mn-ea"/>
+            </a:endParaRPr>
+          </a:p>
+          <a:p>
+            <a:pPr algn="l"/>
+            <a:r>
+              <a:rPr lang="zh-CN" altLang="en-US"/>
+              <a:t>连个指针刚好在入口碰撞。</a:t>
+            </a:r>
+            <a:endParaRPr lang="zh-CN" altLang="en-US"/>
+          </a:p>
+        </p:txBody>
+      </p:sp>
+      <p:sp>
+        <p:nvSpPr>
+          <p:cNvPr id="5" name="圆角矩形 4"/>
+          <p:cNvSpPr/>
+          <p:nvPr/>
+        </p:nvSpPr>
+        <p:spPr>
+          <a:xfrm>
+            <a:off x="1998345" y="1802130"/>
+            <a:ext cx="363855" cy="358140"/>
+          </a:xfrm>
+          <a:prstGeom prst="roundRect">
+            <a:avLst/>
+          </a:prstGeom>
+        </p:spPr>
+        <p:style>
+          <a:lnRef idx="2">
+            <a:schemeClr val="accent1">
+              <a:shade val="50000"/>
+            </a:schemeClr>
+          </a:lnRef>
+          <a:fillRef idx="1">
+            <a:schemeClr val="accent1"/>
+          </a:fillRef>
+          <a:effectRef idx="0">
+            <a:schemeClr val="accent1"/>
+          </a:effectRef>
+          <a:fontRef idx="minor">
+            <a:schemeClr val="lt1"/>
+          </a:fontRef>
+        </p:style>
+        <p:txBody>
+          <a:bodyPr rtlCol="0" anchor="ctr"/>
+          <a:p>
+            <a:pPr algn="ctr"/>
+            <a:r>
+              <a:rPr lang="en-US" altLang="zh-CN"/>
+              <a:t>2</a:t>
+            </a:r>
+            <a:endParaRPr lang="en-US" altLang="zh-CN"/>
+          </a:p>
+        </p:txBody>
+      </p:sp>
+      <p:sp>
+        <p:nvSpPr>
+          <p:cNvPr id="10" name="圆角矩形 9"/>
+          <p:cNvSpPr/>
+          <p:nvPr/>
+        </p:nvSpPr>
+        <p:spPr>
+          <a:xfrm>
+            <a:off x="2637155" y="1802130"/>
+            <a:ext cx="363855" cy="358140"/>
+          </a:xfrm>
+          <a:prstGeom prst="roundRect">
+            <a:avLst/>
+          </a:prstGeom>
+        </p:spPr>
+        <p:style>
+          <a:lnRef idx="2">
+            <a:schemeClr val="accent1">
+              <a:shade val="50000"/>
+            </a:schemeClr>
+          </a:lnRef>
+          <a:fillRef idx="1">
+            <a:schemeClr val="accent1"/>
+          </a:fillRef>
+          <a:effectRef idx="0">
+            <a:schemeClr val="accent1"/>
+          </a:effectRef>
+          <a:fontRef idx="minor">
+            <a:schemeClr val="lt1"/>
+          </a:fontRef>
+        </p:style>
+        <p:txBody>
+          <a:bodyPr rtlCol="0" anchor="ctr"/>
+          <a:p>
+            <a:pPr algn="ctr"/>
+            <a:r>
+              <a:rPr lang="en-US" altLang="zh-CN"/>
+              <a:t>3</a:t>
+            </a:r>
+            <a:endParaRPr lang="en-US" altLang="zh-CN"/>
+          </a:p>
+        </p:txBody>
+      </p:sp>
+      <p:sp>
+        <p:nvSpPr>
+          <p:cNvPr id="11" name="圆角矩形 10"/>
+          <p:cNvSpPr/>
+          <p:nvPr/>
+        </p:nvSpPr>
+        <p:spPr>
+          <a:xfrm>
+            <a:off x="3283585" y="1802130"/>
+            <a:ext cx="363855" cy="358140"/>
+          </a:xfrm>
+          <a:prstGeom prst="roundRect">
+            <a:avLst/>
+          </a:prstGeom>
+        </p:spPr>
+        <p:style>
+          <a:lnRef idx="2">
+            <a:schemeClr val="accent1">
+              <a:shade val="50000"/>
+            </a:schemeClr>
+          </a:lnRef>
+          <a:fillRef idx="1">
+            <a:schemeClr val="accent1"/>
+          </a:fillRef>
+          <a:effectRef idx="0">
+            <a:schemeClr val="accent1"/>
+          </a:effectRef>
+          <a:fontRef idx="minor">
+            <a:schemeClr val="lt1"/>
+          </a:fontRef>
+        </p:style>
+        <p:txBody>
+          <a:bodyPr rtlCol="0" anchor="ctr"/>
+          <a:p>
+            <a:pPr algn="ctr"/>
+            <a:r>
+              <a:rPr lang="en-US" altLang="zh-CN"/>
+              <a:t>4</a:t>
+            </a:r>
+            <a:endParaRPr lang="en-US" altLang="zh-CN"/>
+          </a:p>
+        </p:txBody>
+      </p:sp>
+      <p:sp>
+        <p:nvSpPr>
+          <p:cNvPr id="12" name="圆角矩形 11"/>
+          <p:cNvSpPr/>
+          <p:nvPr/>
+        </p:nvSpPr>
+        <p:spPr>
+          <a:xfrm>
+            <a:off x="3921760" y="1802130"/>
+            <a:ext cx="363855" cy="358140"/>
+          </a:xfrm>
+          <a:prstGeom prst="roundRect">
+            <a:avLst/>
+          </a:prstGeom>
+        </p:spPr>
+        <p:style>
+          <a:lnRef idx="2">
+            <a:schemeClr val="accent1">
+              <a:shade val="50000"/>
+            </a:schemeClr>
+          </a:lnRef>
+          <a:fillRef idx="1">
+            <a:schemeClr val="accent1"/>
+          </a:fillRef>
+          <a:effectRef idx="0">
+            <a:schemeClr val="accent1"/>
+          </a:effectRef>
+          <a:fontRef idx="minor">
+            <a:schemeClr val="lt1"/>
+          </a:fontRef>
+        </p:style>
+        <p:txBody>
+          <a:bodyPr rtlCol="0" anchor="ctr"/>
+          <a:p>
+            <a:pPr algn="ctr"/>
+            <a:r>
+              <a:rPr lang="en-US" altLang="zh-CN"/>
+              <a:t>5</a:t>
+            </a:r>
+            <a:endParaRPr lang="en-US" altLang="zh-CN"/>
+          </a:p>
+        </p:txBody>
+      </p:sp>
+      <p:sp>
+        <p:nvSpPr>
+          <p:cNvPr id="13" name="圆角矩形 12"/>
+          <p:cNvSpPr/>
+          <p:nvPr/>
+        </p:nvSpPr>
+        <p:spPr>
+          <a:xfrm>
+            <a:off x="4568190" y="1802130"/>
+            <a:ext cx="363855" cy="358140"/>
+          </a:xfrm>
+          <a:prstGeom prst="roundRect">
+            <a:avLst/>
+          </a:prstGeom>
+        </p:spPr>
+        <p:style>
+          <a:lnRef idx="2">
+            <a:schemeClr val="accent1">
+              <a:shade val="50000"/>
+            </a:schemeClr>
+          </a:lnRef>
+          <a:fillRef idx="1">
+            <a:schemeClr val="accent1"/>
+          </a:fillRef>
+          <a:effectRef idx="0">
+            <a:schemeClr val="accent1"/>
+          </a:effectRef>
+          <a:fontRef idx="minor">
+            <a:schemeClr val="lt1"/>
+          </a:fontRef>
+        </p:style>
+        <p:txBody>
+          <a:bodyPr rtlCol="0" anchor="ctr"/>
+          <a:p>
+            <a:pPr algn="ctr"/>
+            <a:r>
+              <a:rPr lang="en-US" altLang="zh-CN"/>
+              <a:t>6</a:t>
+            </a:r>
+            <a:endParaRPr lang="en-US" altLang="zh-CN"/>
+          </a:p>
+        </p:txBody>
+      </p:sp>
+      <p:sp>
+        <p:nvSpPr>
+          <p:cNvPr id="14" name="圆角矩形 13"/>
+          <p:cNvSpPr/>
+          <p:nvPr/>
+        </p:nvSpPr>
+        <p:spPr>
+          <a:xfrm>
+            <a:off x="5130165" y="659130"/>
+            <a:ext cx="363855" cy="358140"/>
+          </a:xfrm>
+          <a:prstGeom prst="roundRect">
+            <a:avLst/>
+          </a:prstGeom>
+        </p:spPr>
+        <p:style>
+          <a:lnRef idx="2">
+            <a:schemeClr val="accent1">
+              <a:shade val="50000"/>
+            </a:schemeClr>
+          </a:lnRef>
+          <a:fillRef idx="1">
+            <a:schemeClr val="accent1"/>
+          </a:fillRef>
+          <a:effectRef idx="0">
+            <a:schemeClr val="accent1"/>
+          </a:effectRef>
+          <a:fontRef idx="minor">
+            <a:schemeClr val="lt1"/>
+          </a:fontRef>
+        </p:style>
+        <p:txBody>
+          <a:bodyPr rtlCol="0" anchor="ctr"/>
+          <a:p>
+            <a:pPr algn="ctr"/>
+            <a:r>
+              <a:rPr lang="en-US" altLang="zh-CN"/>
+              <a:t>7</a:t>
+            </a:r>
+            <a:endParaRPr lang="en-US" altLang="zh-CN"/>
+          </a:p>
+        </p:txBody>
+      </p:sp>
+      <p:sp>
+        <p:nvSpPr>
+          <p:cNvPr id="15" name="圆角矩形 14"/>
+          <p:cNvSpPr/>
+          <p:nvPr/>
+        </p:nvSpPr>
+        <p:spPr>
+          <a:xfrm>
+            <a:off x="6319520" y="659130"/>
+            <a:ext cx="363855" cy="358140"/>
+          </a:xfrm>
+          <a:prstGeom prst="roundRect">
+            <a:avLst/>
+          </a:prstGeom>
+        </p:spPr>
+        <p:style>
+          <a:lnRef idx="2">
+            <a:schemeClr val="accent1">
+              <a:shade val="50000"/>
+            </a:schemeClr>
+          </a:lnRef>
+          <a:fillRef idx="1">
+            <a:schemeClr val="accent1"/>
+          </a:fillRef>
+          <a:effectRef idx="0">
+            <a:schemeClr val="accent1"/>
+          </a:effectRef>
+          <a:fontRef idx="minor">
+            <a:schemeClr val="lt1"/>
+          </a:fontRef>
+        </p:style>
+        <p:txBody>
+          <a:bodyPr rtlCol="0" anchor="ctr"/>
+          <a:p>
+            <a:pPr algn="ctr"/>
+            <a:r>
+              <a:rPr lang="en-US" altLang="zh-CN"/>
+              <a:t>8</a:t>
+            </a:r>
+            <a:endParaRPr lang="en-US" altLang="zh-CN"/>
+          </a:p>
+        </p:txBody>
+      </p:sp>
+      <p:sp>
+        <p:nvSpPr>
+          <p:cNvPr id="16" name="圆角矩形 15"/>
+          <p:cNvSpPr/>
+          <p:nvPr/>
+        </p:nvSpPr>
+        <p:spPr>
+          <a:xfrm>
+            <a:off x="5130165" y="2987675"/>
+            <a:ext cx="363855" cy="358140"/>
+          </a:xfrm>
+          <a:prstGeom prst="roundRect">
+            <a:avLst/>
+          </a:prstGeom>
+        </p:spPr>
+        <p:style>
+          <a:lnRef idx="2">
+            <a:schemeClr val="accent1">
+              <a:shade val="50000"/>
+            </a:schemeClr>
+          </a:lnRef>
+          <a:fillRef idx="1">
+            <a:schemeClr val="accent1"/>
+          </a:fillRef>
+          <a:effectRef idx="0">
+            <a:schemeClr val="accent1"/>
+          </a:effectRef>
+          <a:fontRef idx="minor">
+            <a:schemeClr val="lt1"/>
+          </a:fontRef>
+        </p:style>
+        <p:txBody>
+          <a:bodyPr rtlCol="0" anchor="ctr"/>
+          <a:p>
+            <a:pPr algn="ctr"/>
+            <a:r>
+              <a:rPr lang="en-US" altLang="zh-CN" sz="1000"/>
+              <a:t>12</a:t>
+            </a:r>
+            <a:endParaRPr lang="en-US" altLang="zh-CN" sz="1000"/>
+          </a:p>
+        </p:txBody>
+      </p:sp>
+      <p:sp>
+        <p:nvSpPr>
+          <p:cNvPr id="18" name="圆角矩形 17"/>
+          <p:cNvSpPr/>
+          <p:nvPr/>
+        </p:nvSpPr>
+        <p:spPr>
+          <a:xfrm>
+            <a:off x="6319520" y="2987675"/>
+            <a:ext cx="363855" cy="358140"/>
+          </a:xfrm>
+          <a:prstGeom prst="roundRect">
+            <a:avLst/>
+          </a:prstGeom>
+        </p:spPr>
+        <p:style>
+          <a:lnRef idx="2">
+            <a:schemeClr val="accent1">
+              <a:shade val="50000"/>
+            </a:schemeClr>
+          </a:lnRef>
+          <a:fillRef idx="1">
+            <a:schemeClr val="accent1"/>
+          </a:fillRef>
+          <a:effectRef idx="0">
+            <a:schemeClr val="accent1"/>
+          </a:effectRef>
+          <a:fontRef idx="minor">
+            <a:schemeClr val="lt1"/>
+          </a:fontRef>
+        </p:style>
+        <p:txBody>
+          <a:bodyPr rtlCol="0" anchor="ctr"/>
+          <a:p>
+            <a:pPr algn="ctr"/>
+            <a:r>
+              <a:rPr lang="en-US" altLang="zh-CN" sz="1000"/>
+              <a:t>11</a:t>
+            </a:r>
+            <a:endParaRPr lang="en-US" altLang="zh-CN" sz="1000"/>
+          </a:p>
+        </p:txBody>
+      </p:sp>
+      <p:sp>
+        <p:nvSpPr>
+          <p:cNvPr id="20" name="圆角矩形 19"/>
+          <p:cNvSpPr/>
+          <p:nvPr/>
+        </p:nvSpPr>
+        <p:spPr>
+          <a:xfrm>
+            <a:off x="7261860" y="1362075"/>
+            <a:ext cx="363855" cy="358140"/>
+          </a:xfrm>
+          <a:prstGeom prst="roundRect">
+            <a:avLst/>
+          </a:prstGeom>
+        </p:spPr>
+        <p:style>
+          <a:lnRef idx="2">
+            <a:schemeClr val="accent1">
+              <a:shade val="50000"/>
+            </a:schemeClr>
+          </a:lnRef>
+          <a:fillRef idx="1">
+            <a:schemeClr val="accent1"/>
+          </a:fillRef>
+          <a:effectRef idx="0">
+            <a:schemeClr val="accent1"/>
+          </a:effectRef>
+          <a:fontRef idx="minor">
+            <a:schemeClr val="lt1"/>
+          </a:fontRef>
+        </p:style>
+        <p:txBody>
+          <a:bodyPr rtlCol="0" anchor="ctr"/>
+          <a:p>
+            <a:pPr algn="ctr"/>
+            <a:r>
+              <a:rPr lang="en-US" altLang="zh-CN"/>
+              <a:t>9</a:t>
+            </a:r>
+            <a:endParaRPr lang="en-US" altLang="zh-CN"/>
+          </a:p>
+        </p:txBody>
+      </p:sp>
+      <p:sp>
+        <p:nvSpPr>
+          <p:cNvPr id="21" name="圆角矩形 20"/>
+          <p:cNvSpPr/>
+          <p:nvPr/>
+        </p:nvSpPr>
+        <p:spPr>
+          <a:xfrm>
+            <a:off x="7261225" y="2456815"/>
+            <a:ext cx="363855" cy="358140"/>
+          </a:xfrm>
+          <a:prstGeom prst="roundRect">
+            <a:avLst/>
+          </a:prstGeom>
+        </p:spPr>
+        <p:style>
+          <a:lnRef idx="2">
+            <a:schemeClr val="accent1">
+              <a:shade val="50000"/>
+            </a:schemeClr>
+          </a:lnRef>
+          <a:fillRef idx="1">
+            <a:schemeClr val="accent1"/>
+          </a:fillRef>
+          <a:effectRef idx="0">
+            <a:schemeClr val="accent1"/>
+          </a:effectRef>
+          <a:fontRef idx="minor">
+            <a:schemeClr val="lt1"/>
+          </a:fontRef>
+        </p:style>
+        <p:txBody>
+          <a:bodyPr rtlCol="0" anchor="ctr"/>
+          <a:p>
+            <a:pPr algn="ctr"/>
+            <a:r>
+              <a:rPr lang="en-US" altLang="zh-CN" sz="1000"/>
+              <a:t>10</a:t>
+            </a:r>
+            <a:endParaRPr lang="en-US" altLang="zh-CN" sz="1000"/>
+          </a:p>
+        </p:txBody>
+      </p:sp>
+      <p:cxnSp>
+        <p:nvCxnSpPr>
+          <p:cNvPr id="24" name="直接箭头连接符 23"/>
+          <p:cNvCxnSpPr>
+            <a:stCxn id="5" idx="3"/>
+            <a:endCxn id="10" idx="1"/>
+          </p:cNvCxnSpPr>
+          <p:nvPr/>
+        </p:nvCxnSpPr>
+        <p:spPr>
+          <a:xfrm>
+            <a:off x="2362200" y="1981200"/>
+            <a:ext cx="274955" cy="0"/>
+          </a:xfrm>
+          <a:prstGeom prst="straightConnector1">
+            <a:avLst/>
+          </a:prstGeom>
+          <a:ln w="25400">
+            <a:solidFill>
+              <a:srgbClr val="7030A0"/>
+            </a:solidFill>
+            <a:tailEnd type="arrow"/>
+          </a:ln>
+        </p:spPr>
+        <p:style>
+          <a:lnRef idx="1">
+            <a:schemeClr val="accent1"/>
+          </a:lnRef>
+          <a:fillRef idx="0">
+            <a:schemeClr val="accent1"/>
+          </a:fillRef>
+          <a:effectRef idx="0">
+            <a:schemeClr val="accent1"/>
+          </a:effectRef>
+          <a:fontRef idx="minor">
+            <a:schemeClr val="tx1"/>
+          </a:fontRef>
+        </p:style>
+      </p:cxnSp>
+      <p:cxnSp>
+        <p:nvCxnSpPr>
+          <p:cNvPr id="28" name="直接箭头连接符 27"/>
+          <p:cNvCxnSpPr>
+            <a:stCxn id="10" idx="3"/>
+            <a:endCxn id="11" idx="1"/>
+          </p:cNvCxnSpPr>
+          <p:nvPr/>
+        </p:nvCxnSpPr>
+        <p:spPr>
+          <a:xfrm>
+            <a:off x="3001010" y="1981200"/>
+            <a:ext cx="282575" cy="0"/>
+          </a:xfrm>
+          <a:prstGeom prst="straightConnector1">
+            <a:avLst/>
+          </a:prstGeom>
+          <a:ln w="25400">
+            <a:solidFill>
+              <a:srgbClr val="7030A0"/>
+            </a:solidFill>
+            <a:tailEnd type="arrow"/>
+          </a:ln>
+        </p:spPr>
+        <p:style>
+          <a:lnRef idx="1">
+            <a:schemeClr val="accent1"/>
+          </a:lnRef>
+          <a:fillRef idx="0">
+            <a:schemeClr val="accent1"/>
+          </a:fillRef>
+          <a:effectRef idx="0">
+            <a:schemeClr val="accent1"/>
+          </a:effectRef>
+          <a:fontRef idx="minor">
+            <a:schemeClr val="tx1"/>
+          </a:fontRef>
+        </p:style>
+      </p:cxnSp>
+      <p:cxnSp>
+        <p:nvCxnSpPr>
+          <p:cNvPr id="31" name="直接箭头连接符 30"/>
+          <p:cNvCxnSpPr>
+            <a:stCxn id="11" idx="3"/>
+            <a:endCxn id="12" idx="1"/>
+          </p:cNvCxnSpPr>
+          <p:nvPr/>
+        </p:nvCxnSpPr>
+        <p:spPr>
+          <a:xfrm>
+            <a:off x="3647440" y="1981200"/>
+            <a:ext cx="274320" cy="0"/>
+          </a:xfrm>
+          <a:prstGeom prst="straightConnector1">
+            <a:avLst/>
+          </a:prstGeom>
+          <a:ln w="25400">
+            <a:solidFill>
+              <a:srgbClr val="7030A0"/>
+            </a:solidFill>
+            <a:tailEnd type="arrow"/>
+          </a:ln>
+        </p:spPr>
+        <p:style>
+          <a:lnRef idx="1">
+            <a:schemeClr val="accent1"/>
+          </a:lnRef>
+          <a:fillRef idx="0">
+            <a:schemeClr val="accent1"/>
+          </a:fillRef>
+          <a:effectRef idx="0">
+            <a:schemeClr val="accent1"/>
+          </a:effectRef>
+          <a:fontRef idx="minor">
+            <a:schemeClr val="tx1"/>
+          </a:fontRef>
+        </p:style>
+      </p:cxnSp>
+      <p:cxnSp>
+        <p:nvCxnSpPr>
+          <p:cNvPr id="33" name="直接箭头连接符 32"/>
+          <p:cNvCxnSpPr>
+            <a:stCxn id="12" idx="3"/>
+            <a:endCxn id="13" idx="1"/>
+          </p:cNvCxnSpPr>
+          <p:nvPr/>
+        </p:nvCxnSpPr>
+        <p:spPr>
+          <a:xfrm>
+            <a:off x="4285615" y="1981200"/>
+            <a:ext cx="282575" cy="0"/>
+          </a:xfrm>
+          <a:prstGeom prst="straightConnector1">
+            <a:avLst/>
+          </a:prstGeom>
+          <a:ln w="25400">
+            <a:solidFill>
+              <a:srgbClr val="7030A0"/>
+            </a:solidFill>
+            <a:tailEnd type="arrow"/>
+          </a:ln>
+        </p:spPr>
+        <p:style>
+          <a:lnRef idx="1">
+            <a:schemeClr val="accent1"/>
+          </a:lnRef>
+          <a:fillRef idx="0">
+            <a:schemeClr val="accent1"/>
+          </a:fillRef>
+          <a:effectRef idx="0">
+            <a:schemeClr val="accent1"/>
+          </a:effectRef>
+          <a:fontRef idx="minor">
+            <a:schemeClr val="tx1"/>
+          </a:fontRef>
+        </p:style>
+      </p:cxnSp>
+      <p:cxnSp>
+        <p:nvCxnSpPr>
+          <p:cNvPr id="34" name="直接箭头连接符 33"/>
+          <p:cNvCxnSpPr>
+            <a:stCxn id="13" idx="0"/>
+            <a:endCxn id="14" idx="1"/>
+          </p:cNvCxnSpPr>
+          <p:nvPr/>
+        </p:nvCxnSpPr>
+        <p:spPr>
+          <a:xfrm flipV="1">
+            <a:off x="4750435" y="838200"/>
+            <a:ext cx="379730" cy="963930"/>
+          </a:xfrm>
+          <a:prstGeom prst="straightConnector1">
+            <a:avLst/>
+          </a:prstGeom>
+          <a:ln w="25400">
+            <a:solidFill>
+              <a:srgbClr val="7030A0"/>
+            </a:solidFill>
+            <a:tailEnd type="arrow"/>
+          </a:ln>
+        </p:spPr>
+        <p:style>
+          <a:lnRef idx="1">
+            <a:schemeClr val="accent1"/>
+          </a:lnRef>
+          <a:fillRef idx="0">
+            <a:schemeClr val="accent1"/>
+          </a:fillRef>
+          <a:effectRef idx="0">
+            <a:schemeClr val="accent1"/>
+          </a:effectRef>
+          <a:fontRef idx="minor">
+            <a:schemeClr val="tx1"/>
+          </a:fontRef>
+        </p:style>
+      </p:cxnSp>
+      <p:cxnSp>
+        <p:nvCxnSpPr>
+          <p:cNvPr id="36" name="直接箭头连接符 35"/>
+          <p:cNvCxnSpPr>
+            <a:stCxn id="14" idx="3"/>
+            <a:endCxn id="15" idx="1"/>
+          </p:cNvCxnSpPr>
+          <p:nvPr/>
+        </p:nvCxnSpPr>
+        <p:spPr>
+          <a:xfrm>
+            <a:off x="5494020" y="838200"/>
+            <a:ext cx="825500" cy="0"/>
+          </a:xfrm>
+          <a:prstGeom prst="straightConnector1">
+            <a:avLst/>
+          </a:prstGeom>
+          <a:ln w="25400">
+            <a:solidFill>
+              <a:srgbClr val="7030A0"/>
+            </a:solidFill>
+            <a:tailEnd type="arrow"/>
+          </a:ln>
+        </p:spPr>
+        <p:style>
+          <a:lnRef idx="1">
+            <a:schemeClr val="accent1"/>
+          </a:lnRef>
+          <a:fillRef idx="0">
+            <a:schemeClr val="accent1"/>
+          </a:fillRef>
+          <a:effectRef idx="0">
+            <a:schemeClr val="accent1"/>
+          </a:effectRef>
+          <a:fontRef idx="minor">
+            <a:schemeClr val="tx1"/>
+          </a:fontRef>
+        </p:style>
+      </p:cxnSp>
+      <p:cxnSp>
+        <p:nvCxnSpPr>
+          <p:cNvPr id="37" name="直接箭头连接符 36"/>
+          <p:cNvCxnSpPr>
+            <a:stCxn id="15" idx="3"/>
+            <a:endCxn id="20" idx="0"/>
+          </p:cNvCxnSpPr>
+          <p:nvPr/>
+        </p:nvCxnSpPr>
+        <p:spPr>
+          <a:xfrm>
+            <a:off x="6683375" y="838200"/>
+            <a:ext cx="760730" cy="523875"/>
+          </a:xfrm>
+          <a:prstGeom prst="straightConnector1">
+            <a:avLst/>
+          </a:prstGeom>
+          <a:ln w="25400">
+            <a:solidFill>
+              <a:srgbClr val="7030A0"/>
+            </a:solidFill>
+            <a:tailEnd type="arrow"/>
+          </a:ln>
+        </p:spPr>
+        <p:style>
+          <a:lnRef idx="1">
+            <a:schemeClr val="accent1"/>
+          </a:lnRef>
+          <a:fillRef idx="0">
+            <a:schemeClr val="accent1"/>
+          </a:fillRef>
+          <a:effectRef idx="0">
+            <a:schemeClr val="accent1"/>
+          </a:effectRef>
+          <a:fontRef idx="minor">
+            <a:schemeClr val="tx1"/>
+          </a:fontRef>
+        </p:style>
+      </p:cxnSp>
+      <p:cxnSp>
+        <p:nvCxnSpPr>
+          <p:cNvPr id="38" name="直接箭头连接符 37"/>
+          <p:cNvCxnSpPr>
+            <a:stCxn id="20" idx="2"/>
+            <a:endCxn id="21" idx="0"/>
+          </p:cNvCxnSpPr>
+          <p:nvPr/>
+        </p:nvCxnSpPr>
+        <p:spPr>
+          <a:xfrm flipH="1">
+            <a:off x="7443470" y="1720215"/>
+            <a:ext cx="635" cy="736600"/>
+          </a:xfrm>
+          <a:prstGeom prst="straightConnector1">
+            <a:avLst/>
+          </a:prstGeom>
+          <a:ln w="25400">
+            <a:solidFill>
+              <a:srgbClr val="7030A0"/>
+            </a:solidFill>
+            <a:tailEnd type="arrow"/>
+          </a:ln>
+        </p:spPr>
+        <p:style>
+          <a:lnRef idx="1">
+            <a:schemeClr val="accent1"/>
+          </a:lnRef>
+          <a:fillRef idx="0">
+            <a:schemeClr val="accent1"/>
+          </a:fillRef>
+          <a:effectRef idx="0">
+            <a:schemeClr val="accent1"/>
+          </a:effectRef>
+          <a:fontRef idx="minor">
+            <a:schemeClr val="tx1"/>
+          </a:fontRef>
+        </p:style>
+      </p:cxnSp>
+      <p:cxnSp>
+        <p:nvCxnSpPr>
+          <p:cNvPr id="39" name="直接箭头连接符 38"/>
+          <p:cNvCxnSpPr>
+            <a:stCxn id="21" idx="2"/>
+            <a:endCxn id="18" idx="3"/>
+          </p:cNvCxnSpPr>
+          <p:nvPr/>
+        </p:nvCxnSpPr>
+        <p:spPr>
+          <a:xfrm flipH="1">
+            <a:off x="6683375" y="2814955"/>
+            <a:ext cx="760095" cy="351790"/>
+          </a:xfrm>
+          <a:prstGeom prst="straightConnector1">
+            <a:avLst/>
+          </a:prstGeom>
+          <a:ln w="25400">
+            <a:solidFill>
+              <a:srgbClr val="7030A0"/>
+            </a:solidFill>
+            <a:tailEnd type="arrow"/>
+          </a:ln>
+        </p:spPr>
+        <p:style>
+          <a:lnRef idx="1">
+            <a:schemeClr val="accent1"/>
+          </a:lnRef>
+          <a:fillRef idx="0">
+            <a:schemeClr val="accent1"/>
+          </a:fillRef>
+          <a:effectRef idx="0">
+            <a:schemeClr val="accent1"/>
+          </a:effectRef>
+          <a:fontRef idx="minor">
+            <a:schemeClr val="tx1"/>
+          </a:fontRef>
+        </p:style>
+      </p:cxnSp>
+      <p:cxnSp>
+        <p:nvCxnSpPr>
+          <p:cNvPr id="40" name="直接箭头连接符 39"/>
+          <p:cNvCxnSpPr>
+            <a:stCxn id="16" idx="1"/>
+            <a:endCxn id="13" idx="2"/>
+          </p:cNvCxnSpPr>
+          <p:nvPr/>
+        </p:nvCxnSpPr>
+        <p:spPr>
+          <a:xfrm flipH="1" flipV="1">
+            <a:off x="4750435" y="2160270"/>
+            <a:ext cx="379730" cy="1006475"/>
+          </a:xfrm>
+          <a:prstGeom prst="straightConnector1">
+            <a:avLst/>
+          </a:prstGeom>
+          <a:ln w="25400">
+            <a:solidFill>
+              <a:srgbClr val="7030A0"/>
+            </a:solidFill>
+            <a:tailEnd type="arrow"/>
+          </a:ln>
+        </p:spPr>
+        <p:style>
+          <a:lnRef idx="1">
+            <a:schemeClr val="accent1"/>
+          </a:lnRef>
+          <a:fillRef idx="0">
+            <a:schemeClr val="accent1"/>
+          </a:fillRef>
+          <a:effectRef idx="0">
+            <a:schemeClr val="accent1"/>
+          </a:effectRef>
+          <a:fontRef idx="minor">
+            <a:schemeClr val="tx1"/>
+          </a:fontRef>
+        </p:style>
+      </p:cxnSp>
+      <p:cxnSp>
+        <p:nvCxnSpPr>
+          <p:cNvPr id="41" name="直接箭头连接符 40"/>
+          <p:cNvCxnSpPr>
+            <a:stCxn id="18" idx="1"/>
+            <a:endCxn id="16" idx="3"/>
+          </p:cNvCxnSpPr>
+          <p:nvPr/>
+        </p:nvCxnSpPr>
+        <p:spPr>
+          <a:xfrm flipH="1">
+            <a:off x="5494020" y="3166745"/>
+            <a:ext cx="825500" cy="0"/>
+          </a:xfrm>
+          <a:prstGeom prst="straightConnector1">
+            <a:avLst/>
+          </a:prstGeom>
+          <a:ln w="25400">
+            <a:solidFill>
+              <a:srgbClr val="7030A0"/>
+            </a:solidFill>
+            <a:tailEnd type="arrow"/>
+          </a:ln>
+        </p:spPr>
+        <p:style>
+          <a:lnRef idx="1">
+            <a:schemeClr val="accent1"/>
+          </a:lnRef>
+          <a:fillRef idx="0">
+            <a:schemeClr val="accent1"/>
+          </a:fillRef>
+          <a:effectRef idx="0">
+            <a:schemeClr val="accent1"/>
+          </a:effectRef>
+          <a:fontRef idx="minor">
+            <a:schemeClr val="tx1"/>
+          </a:fontRef>
+        </p:style>
+      </p:cxnSp>
+      <p:sp>
+        <p:nvSpPr>
+          <p:cNvPr id="2" name="左大括号 1"/>
+          <p:cNvSpPr/>
+          <p:nvPr/>
+        </p:nvSpPr>
+        <p:spPr>
+          <a:xfrm rot="5400000">
+            <a:off x="2983230" y="35560"/>
+            <a:ext cx="297180" cy="3235960"/>
+          </a:xfrm>
+          <a:prstGeom prst="leftBrace">
+            <a:avLst>
+              <a:gd name="adj1" fmla="val 170726"/>
+              <a:gd name="adj2" fmla="val 50000"/>
+            </a:avLst>
+          </a:prstGeom>
+          <a:ln>
+            <a:solidFill>
+              <a:srgbClr val="FF0000"/>
+            </a:solidFill>
+          </a:ln>
+        </p:spPr>
+        <p:style>
+          <a:lnRef idx="1">
+            <a:schemeClr val="accent1"/>
+          </a:lnRef>
+          <a:fillRef idx="0">
+            <a:schemeClr val="accent1"/>
+          </a:fillRef>
+          <a:effectRef idx="0">
+            <a:schemeClr val="accent1"/>
+          </a:effectRef>
+          <a:fontRef idx="minor">
+            <a:schemeClr val="tx1"/>
+          </a:fontRef>
+        </p:style>
+        <p:txBody>
+          <a:bodyPr rtlCol="0" anchor="ctr"/>
+          <a:p>
+            <a:pPr algn="ctr"/>
+            <a:endParaRPr lang="zh-CN" altLang="en-US"/>
+          </a:p>
+        </p:txBody>
+      </p:sp>
+      <p:cxnSp>
+        <p:nvCxnSpPr>
+          <p:cNvPr id="9" name="曲线连接符 8"/>
+          <p:cNvCxnSpPr>
+            <a:stCxn id="18" idx="2"/>
+            <a:endCxn id="13" idx="2"/>
+          </p:cNvCxnSpPr>
+          <p:nvPr/>
+        </p:nvCxnSpPr>
+        <p:spPr>
+          <a:xfrm rot="5400000" flipH="1">
+            <a:off x="5033645" y="1877060"/>
+            <a:ext cx="1185545" cy="1751330"/>
+          </a:xfrm>
+          <a:prstGeom prst="curvedConnector3">
+            <a:avLst>
+              <a:gd name="adj1" fmla="val -42233"/>
+            </a:avLst>
+          </a:prstGeom>
+          <a:ln>
+            <a:solidFill>
+              <a:schemeClr val="accent3">
+                <a:lumMod val="50000"/>
+              </a:schemeClr>
+            </a:solidFill>
+            <a:headEnd type="arrow"/>
+            <a:tailEnd type="arrow"/>
+          </a:ln>
+        </p:spPr>
+        <p:style>
+          <a:lnRef idx="1">
+            <a:schemeClr val="accent1"/>
+          </a:lnRef>
+          <a:fillRef idx="0">
+            <a:schemeClr val="accent1"/>
+          </a:fillRef>
+          <a:effectRef idx="0">
+            <a:schemeClr val="accent1"/>
+          </a:effectRef>
+          <a:fontRef idx="minor">
+            <a:schemeClr val="tx1"/>
+          </a:fontRef>
+        </p:style>
+      </p:cxnSp>
+      <p:cxnSp>
+        <p:nvCxnSpPr>
+          <p:cNvPr id="19" name="曲线连接符 18"/>
+          <p:cNvCxnSpPr>
+            <a:stCxn id="18" idx="3"/>
+            <a:endCxn id="2" idx="0"/>
+          </p:cNvCxnSpPr>
+          <p:nvPr/>
+        </p:nvCxnSpPr>
+        <p:spPr>
+          <a:xfrm flipH="1" flipV="1">
+            <a:off x="4749800" y="1802130"/>
+            <a:ext cx="1933575" cy="1364615"/>
+          </a:xfrm>
+          <a:prstGeom prst="curvedConnector5">
+            <a:avLst>
+              <a:gd name="adj1" fmla="val -85944"/>
+              <a:gd name="adj2" fmla="val 210051"/>
+              <a:gd name="adj3" fmla="val 124334"/>
+            </a:avLst>
+          </a:prstGeom>
+          <a:ln>
+            <a:solidFill>
+              <a:schemeClr val="accent6">
+                <a:lumMod val="75000"/>
+              </a:schemeClr>
+            </a:solidFill>
+            <a:headEnd type="arrow"/>
+            <a:tailEnd type="arrow"/>
+          </a:ln>
+        </p:spPr>
+        <p:style>
+          <a:lnRef idx="1">
+            <a:schemeClr val="accent1"/>
+          </a:lnRef>
+          <a:fillRef idx="0">
+            <a:schemeClr val="accent1"/>
+          </a:fillRef>
+          <a:effectRef idx="0">
+            <a:schemeClr val="accent1"/>
+          </a:effectRef>
+          <a:fontRef idx="minor">
+            <a:schemeClr val="tx1"/>
+          </a:fontRef>
+        </p:style>
+      </p:cxnSp>
+      <p:sp>
+        <p:nvSpPr>
+          <p:cNvPr id="25" name="文本框 24"/>
+          <p:cNvSpPr txBox="1"/>
+          <p:nvPr/>
+        </p:nvSpPr>
+        <p:spPr>
+          <a:xfrm>
+            <a:off x="2985770" y="1136015"/>
+            <a:ext cx="292100" cy="368300"/>
+          </a:xfrm>
+          <a:prstGeom prst="rect">
+            <a:avLst/>
+          </a:prstGeom>
+          <a:noFill/>
+        </p:spPr>
+        <p:txBody>
+          <a:bodyPr wrap="none" rtlCol="0">
+            <a:spAutoFit/>
+          </a:bodyPr>
+          <a:p>
+            <a:r>
+              <a:rPr lang="en-US" altLang="zh-CN"/>
+              <a:t>a</a:t>
+            </a:r>
+            <a:endParaRPr lang="en-US" altLang="zh-CN"/>
+          </a:p>
+        </p:txBody>
+      </p:sp>
+      <p:sp>
+        <p:nvSpPr>
+          <p:cNvPr id="26" name="文本框 25"/>
+          <p:cNvSpPr txBox="1"/>
+          <p:nvPr/>
+        </p:nvSpPr>
+        <p:spPr>
+          <a:xfrm>
+            <a:off x="7797800" y="428625"/>
+            <a:ext cx="302895" cy="368300"/>
+          </a:xfrm>
+          <a:prstGeom prst="rect">
+            <a:avLst/>
+          </a:prstGeom>
+          <a:noFill/>
+        </p:spPr>
+        <p:txBody>
+          <a:bodyPr wrap="none" rtlCol="0">
+            <a:spAutoFit/>
+          </a:bodyPr>
+          <a:p>
+            <a:r>
+              <a:rPr lang="en-US" altLang="zh-CN"/>
+              <a:t>b</a:t>
+            </a:r>
+            <a:endParaRPr lang="en-US" altLang="zh-CN"/>
+          </a:p>
+        </p:txBody>
+      </p:sp>
+      <p:sp>
+        <p:nvSpPr>
+          <p:cNvPr id="27" name="文本框 26"/>
+          <p:cNvSpPr txBox="1"/>
+          <p:nvPr/>
+        </p:nvSpPr>
+        <p:spPr>
+          <a:xfrm>
+            <a:off x="5064760" y="3639820"/>
+            <a:ext cx="279400" cy="368300"/>
+          </a:xfrm>
+          <a:prstGeom prst="rect">
+            <a:avLst/>
+          </a:prstGeom>
+          <a:noFill/>
+        </p:spPr>
+        <p:txBody>
+          <a:bodyPr wrap="none" rtlCol="0">
+            <a:spAutoFit/>
+          </a:bodyPr>
+          <a:p>
+            <a:r>
+              <a:rPr lang="en-US" altLang="zh-CN"/>
+              <a:t>c</a:t>
+            </a:r>
+            <a:endParaRPr lang="en-US" altLang="zh-CN"/>
+          </a:p>
+        </p:txBody>
+      </p:sp>
+    </p:spTree>
+  </p:cSld>
+  <p:clrMapOvr>
+    <a:masterClrMapping/>
+  </p:clrMapOvr>
+</p:sld>
+</file>
+
+<file path=ppt/slides/slide37.xml><?xml version="1.0" encoding="utf-8"?>
+<p:sld xmlns:a="http://schemas.openxmlformats.org/drawingml/2006/main" xmlns:r="http://schemas.openxmlformats.org/officeDocument/2006/relationships" xmlns:p="http://schemas.openxmlformats.org/presentationml/2006/main">
+  <p:cSld>
+    <p:spTree>
+      <p:nvGrpSpPr>
+        <p:cNvPr id="1" name=""/>
+        <p:cNvGrpSpPr/>
+        <p:nvPr/>
+      </p:nvGrpSpPr>
+      <p:grpSpPr>
+        <a:xfrm>
+          <a:off x="0" y="0"/>
+          <a:ext cx="0" cy="0"/>
+          <a:chOff x="0" y="0"/>
+          <a:chExt cx="0" cy="0"/>
+        </a:xfrm>
+      </p:grpSpPr>
+      <p:sp>
+        <p:nvSpPr>
+          <p:cNvPr id="35" name="矩形 34"/>
+          <p:cNvSpPr/>
+          <p:nvPr/>
+        </p:nvSpPr>
+        <p:spPr>
+          <a:xfrm>
+            <a:off x="0" y="0"/>
+            <a:ext cx="2268855" cy="428625"/>
+          </a:xfrm>
+          <a:prstGeom prst="rect">
+            <a:avLst/>
+          </a:prstGeom>
+          <a:ln w="38100">
+            <a:solidFill>
+              <a:srgbClr val="FF0000"/>
+            </a:solidFill>
+          </a:ln>
+        </p:spPr>
+        <p:style>
+          <a:lnRef idx="2">
+            <a:schemeClr val="accent2"/>
+          </a:lnRef>
+          <a:fillRef idx="1">
+            <a:schemeClr val="lt1"/>
+          </a:fillRef>
+          <a:effectRef idx="0">
+            <a:schemeClr val="accent2"/>
+          </a:effectRef>
+          <a:fontRef idx="minor">
+            <a:schemeClr val="dk1"/>
+          </a:fontRef>
+        </p:style>
+        <p:txBody>
+          <a:bodyPr rtlCol="0" anchor="ctr"/>
+          <a:p>
+            <a:pPr algn="ctr"/>
+            <a:r>
+              <a:rPr lang="zh-CN" altLang="en-US" b="1" dirty="0"/>
+              <a:t>环形链表求入环节点</a:t>
+            </a:r>
+            <a:endParaRPr lang="en-US" altLang="zh-CN" b="1" dirty="0"/>
+          </a:p>
+        </p:txBody>
+      </p:sp>
+      <p:sp>
+        <p:nvSpPr>
+          <p:cNvPr id="7" name="图片 3"/>
+          <p:cNvSpPr/>
+          <p:nvPr/>
+        </p:nvSpPr>
+        <p:spPr>
+          <a:xfrm>
+            <a:off x="2088833" y="1706563"/>
+            <a:ext cx="5260975" cy="2413635"/>
+          </a:xfrm>
+        </p:spPr>
+      </p:sp>
+      <p:sp>
+        <p:nvSpPr>
+          <p:cNvPr id="8" name="图片 3"/>
+          <p:cNvSpPr/>
+          <p:nvPr/>
+        </p:nvSpPr>
+        <p:spPr>
+          <a:xfrm>
+            <a:off x="2215833" y="1833563"/>
+            <a:ext cx="5260975" cy="2413635"/>
+          </a:xfrm>
+        </p:spPr>
+      </p:sp>
+      <p:sp>
+        <p:nvSpPr>
+          <p:cNvPr id="22" name="矩形 21"/>
+          <p:cNvSpPr/>
+          <p:nvPr/>
+        </p:nvSpPr>
+        <p:spPr>
+          <a:xfrm>
+            <a:off x="2346960" y="1834515"/>
+            <a:ext cx="3662680" cy="2286000"/>
+          </a:xfrm>
+          <a:prstGeom prst="rect">
+            <a:avLst/>
+          </a:prstGeom>
+          <a:ln w="66675">
+            <a:solidFill>
+              <a:schemeClr val="bg1">
+                <a:lumMod val="50000"/>
+              </a:schemeClr>
+            </a:solidFill>
+          </a:ln>
+        </p:spPr>
+        <p:style>
+          <a:lnRef idx="2">
+            <a:schemeClr val="dk1"/>
+          </a:lnRef>
+          <a:fillRef idx="1">
+            <a:schemeClr val="lt1"/>
+          </a:fillRef>
+          <a:effectRef idx="0">
+            <a:schemeClr val="dk1"/>
+          </a:effectRef>
+          <a:fontRef idx="minor">
+            <a:schemeClr val="dk1"/>
+          </a:fontRef>
+        </p:style>
+        <p:txBody>
+          <a:bodyPr rtlCol="0" anchor="ctr"/>
+          <a:p>
+            <a:pPr algn="ctr"/>
+            <a:endParaRPr lang="zh-CN" altLang="en-US"/>
+          </a:p>
+        </p:txBody>
+      </p:sp>
+      <p:sp>
+        <p:nvSpPr>
+          <p:cNvPr id="29" name="文本框 28"/>
+          <p:cNvSpPr txBox="1"/>
+          <p:nvPr/>
+        </p:nvSpPr>
+        <p:spPr>
+          <a:xfrm>
+            <a:off x="2546985" y="4357370"/>
+            <a:ext cx="374650" cy="368300"/>
+          </a:xfrm>
+          <a:prstGeom prst="rect">
+            <a:avLst/>
+          </a:prstGeom>
+          <a:noFill/>
+        </p:spPr>
+        <p:txBody>
+          <a:bodyPr wrap="none" rtlCol="0">
+            <a:spAutoFit/>
+          </a:bodyPr>
+          <a:p>
+            <a:r>
+              <a:rPr lang="en-US" altLang="zh-CN"/>
+              <a:t>Xt</a:t>
+            </a:r>
+            <a:endParaRPr lang="en-US" altLang="zh-CN"/>
+          </a:p>
+        </p:txBody>
+      </p:sp>
+      <p:sp>
+        <p:nvSpPr>
+          <p:cNvPr id="30" name="文本框 29"/>
+          <p:cNvSpPr txBox="1"/>
+          <p:nvPr/>
+        </p:nvSpPr>
+        <p:spPr>
+          <a:xfrm>
+            <a:off x="1309370" y="1967865"/>
+            <a:ext cx="587375" cy="368300"/>
+          </a:xfrm>
+          <a:prstGeom prst="rect">
+            <a:avLst/>
+          </a:prstGeom>
+          <a:noFill/>
+        </p:spPr>
+        <p:txBody>
+          <a:bodyPr wrap="none" rtlCol="0">
+            <a:spAutoFit/>
+          </a:bodyPr>
+          <a:p>
+            <a:r>
+              <a:rPr lang="en-US" altLang="zh-CN"/>
+              <a:t>Ht-1</a:t>
+            </a:r>
+            <a:endParaRPr lang="en-US" altLang="zh-CN"/>
+          </a:p>
+        </p:txBody>
+      </p:sp>
+      <p:cxnSp>
+        <p:nvCxnSpPr>
+          <p:cNvPr id="42" name="直接箭头连接符 41"/>
+          <p:cNvCxnSpPr>
+            <a:stCxn id="30" idx="3"/>
+            <a:endCxn id="71" idx="2"/>
+          </p:cNvCxnSpPr>
+          <p:nvPr/>
+        </p:nvCxnSpPr>
+        <p:spPr>
+          <a:xfrm flipV="1">
+            <a:off x="1896745" y="2145665"/>
+            <a:ext cx="2069465" cy="6350"/>
+          </a:xfrm>
+          <a:prstGeom prst="straightConnector1">
+            <a:avLst/>
+          </a:prstGeom>
+          <a:ln>
+            <a:tailEnd type="arrow"/>
+          </a:ln>
+        </p:spPr>
+        <p:style>
+          <a:lnRef idx="1">
+            <a:schemeClr val="accent1"/>
+          </a:lnRef>
+          <a:fillRef idx="0">
+            <a:schemeClr val="accent1"/>
+          </a:fillRef>
+          <a:effectRef idx="0">
+            <a:schemeClr val="accent1"/>
+          </a:effectRef>
+          <a:fontRef idx="minor">
+            <a:schemeClr val="tx1"/>
+          </a:fontRef>
+        </p:style>
+      </p:cxnSp>
+      <p:sp>
+        <p:nvSpPr>
+          <p:cNvPr id="43" name="文本框 42"/>
+          <p:cNvSpPr txBox="1"/>
+          <p:nvPr/>
+        </p:nvSpPr>
+        <p:spPr>
+          <a:xfrm>
+            <a:off x="6528435" y="1967865"/>
+            <a:ext cx="401955" cy="368300"/>
+          </a:xfrm>
+          <a:prstGeom prst="rect">
+            <a:avLst/>
+          </a:prstGeom>
+          <a:noFill/>
+        </p:spPr>
+        <p:txBody>
+          <a:bodyPr wrap="none" rtlCol="0">
+            <a:spAutoFit/>
+          </a:bodyPr>
+          <a:p>
+            <a:r>
+              <a:rPr lang="en-US" altLang="zh-CN"/>
+              <a:t>Ht</a:t>
+            </a:r>
+            <a:endParaRPr lang="en-US" altLang="zh-CN"/>
+          </a:p>
+        </p:txBody>
+      </p:sp>
+      <p:cxnSp>
+        <p:nvCxnSpPr>
+          <p:cNvPr id="44" name="直接箭头连接符 43"/>
+          <p:cNvCxnSpPr>
+            <a:endCxn id="90" idx="0"/>
+          </p:cNvCxnSpPr>
+          <p:nvPr/>
+        </p:nvCxnSpPr>
+        <p:spPr>
+          <a:xfrm>
+            <a:off x="2734310" y="2150110"/>
+            <a:ext cx="0" cy="681355"/>
+          </a:xfrm>
+          <a:prstGeom prst="straightConnector1">
+            <a:avLst/>
+          </a:prstGeom>
+          <a:ln>
+            <a:tailEnd type="arrow"/>
+          </a:ln>
+        </p:spPr>
+        <p:style>
+          <a:lnRef idx="1">
+            <a:schemeClr val="accent1"/>
+          </a:lnRef>
+          <a:fillRef idx="0">
+            <a:schemeClr val="accent1"/>
+          </a:fillRef>
+          <a:effectRef idx="0">
+            <a:schemeClr val="accent1"/>
+          </a:effectRef>
+          <a:fontRef idx="minor">
+            <a:schemeClr val="tx1"/>
+          </a:fontRef>
+        </p:style>
+      </p:cxnSp>
+      <p:cxnSp>
+        <p:nvCxnSpPr>
+          <p:cNvPr id="48" name="直接箭头连接符 47"/>
+          <p:cNvCxnSpPr>
+            <a:stCxn id="90" idx="2"/>
+            <a:endCxn id="50" idx="1"/>
+          </p:cNvCxnSpPr>
+          <p:nvPr/>
+        </p:nvCxnSpPr>
+        <p:spPr>
+          <a:xfrm flipV="1">
+            <a:off x="2772410" y="2865755"/>
+            <a:ext cx="1141095" cy="3810"/>
+          </a:xfrm>
+          <a:prstGeom prst="straightConnector1">
+            <a:avLst/>
+          </a:prstGeom>
+          <a:ln>
+            <a:solidFill>
+              <a:schemeClr val="tx1"/>
+            </a:solidFill>
+            <a:tailEnd type="arrow"/>
+          </a:ln>
+        </p:spPr>
+        <p:style>
+          <a:lnRef idx="1">
+            <a:schemeClr val="accent1"/>
+          </a:lnRef>
+          <a:fillRef idx="0">
+            <a:schemeClr val="accent1"/>
+          </a:fillRef>
+          <a:effectRef idx="0">
+            <a:schemeClr val="accent1"/>
+          </a:effectRef>
+          <a:fontRef idx="minor">
+            <a:schemeClr val="tx1"/>
+          </a:fontRef>
+        </p:style>
+      </p:cxnSp>
+      <p:sp>
+        <p:nvSpPr>
+          <p:cNvPr id="49" name="文本框 48"/>
+          <p:cNvSpPr txBox="1"/>
+          <p:nvPr/>
+        </p:nvSpPr>
+        <p:spPr>
+          <a:xfrm>
+            <a:off x="3199130" y="3138170"/>
+            <a:ext cx="339725" cy="368300"/>
+          </a:xfrm>
+          <a:prstGeom prst="rect">
+            <a:avLst/>
+          </a:prstGeom>
+        </p:spPr>
+        <p:style>
+          <a:lnRef idx="2">
+            <a:schemeClr val="dk1"/>
+          </a:lnRef>
+          <a:fillRef idx="1">
+            <a:schemeClr val="lt1"/>
+          </a:fillRef>
+          <a:effectRef idx="0">
+            <a:schemeClr val="dk1"/>
+          </a:effectRef>
+          <a:fontRef idx="minor">
+            <a:schemeClr val="dk1"/>
+          </a:fontRef>
+        </p:style>
+        <p:txBody>
+          <a:bodyPr wrap="none" rtlCol="0">
+            <a:spAutoFit/>
+          </a:bodyPr>
+          <a:p>
+            <a:r>
+              <a:rPr lang="en-US" altLang="zh-CN"/>
+              <a:t>rt</a:t>
+            </a:r>
+            <a:endParaRPr lang="en-US" altLang="zh-CN"/>
+          </a:p>
+        </p:txBody>
+      </p:sp>
+      <p:sp>
+        <p:nvSpPr>
+          <p:cNvPr id="50" name="文本框 49"/>
+          <p:cNvSpPr txBox="1"/>
+          <p:nvPr/>
+        </p:nvSpPr>
+        <p:spPr>
+          <a:xfrm>
+            <a:off x="3913505" y="2681605"/>
+            <a:ext cx="349885" cy="368300"/>
+          </a:xfrm>
+          <a:prstGeom prst="rect">
+            <a:avLst/>
+          </a:prstGeom>
+        </p:spPr>
+        <p:style>
+          <a:lnRef idx="2">
+            <a:schemeClr val="dk1"/>
+          </a:lnRef>
+          <a:fillRef idx="1">
+            <a:schemeClr val="lt1"/>
+          </a:fillRef>
+          <a:effectRef idx="0">
+            <a:schemeClr val="dk1"/>
+          </a:effectRef>
+          <a:fontRef idx="minor">
+            <a:schemeClr val="dk1"/>
+          </a:fontRef>
+        </p:style>
+        <p:txBody>
+          <a:bodyPr wrap="none" rtlCol="0">
+            <a:spAutoFit/>
+          </a:bodyPr>
+          <a:p>
+            <a:r>
+              <a:rPr lang="en-US" altLang="zh-CN"/>
+              <a:t>zt</a:t>
+            </a:r>
+            <a:endParaRPr lang="en-US" altLang="zh-CN"/>
+          </a:p>
+        </p:txBody>
+      </p:sp>
+      <p:sp>
+        <p:nvSpPr>
+          <p:cNvPr id="55" name="椭圆 54"/>
+          <p:cNvSpPr/>
+          <p:nvPr/>
+        </p:nvSpPr>
+        <p:spPr>
+          <a:xfrm>
+            <a:off x="3247390" y="3728720"/>
+            <a:ext cx="243840" cy="243840"/>
+          </a:xfrm>
+          <a:prstGeom prst="ellipse">
+            <a:avLst/>
+          </a:prstGeom>
+        </p:spPr>
+        <p:style>
+          <a:lnRef idx="2">
+            <a:schemeClr val="dk1"/>
+          </a:lnRef>
+          <a:fillRef idx="1">
+            <a:schemeClr val="lt1"/>
+          </a:fillRef>
+          <a:effectRef idx="0">
+            <a:schemeClr val="dk1"/>
+          </a:effectRef>
+          <a:fontRef idx="minor">
+            <a:schemeClr val="dk1"/>
+          </a:fontRef>
+        </p:style>
+        <p:txBody>
+          <a:bodyPr rtlCol="0" anchor="ctr"/>
+          <a:p>
+            <a:pPr algn="ctr"/>
+            <a:endParaRPr lang="en-US" altLang="zh-CN"/>
+          </a:p>
+        </p:txBody>
+      </p:sp>
+      <p:sp>
+        <p:nvSpPr>
+          <p:cNvPr id="56" name="椭圆 55"/>
+          <p:cNvSpPr/>
+          <p:nvPr/>
+        </p:nvSpPr>
+        <p:spPr>
+          <a:xfrm>
+            <a:off x="3331210" y="3812540"/>
+            <a:ext cx="76200" cy="76200"/>
+          </a:xfrm>
+          <a:prstGeom prst="ellipse">
+            <a:avLst/>
+          </a:prstGeom>
+        </p:spPr>
+        <p:style>
+          <a:lnRef idx="2">
+            <a:schemeClr val="dk1">
+              <a:shade val="50000"/>
+            </a:schemeClr>
+          </a:lnRef>
+          <a:fillRef idx="1">
+            <a:schemeClr val="dk1"/>
+          </a:fillRef>
+          <a:effectRef idx="0">
+            <a:schemeClr val="dk1"/>
+          </a:effectRef>
+          <a:fontRef idx="minor">
+            <a:schemeClr val="lt1"/>
+          </a:fontRef>
+        </p:style>
+        <p:txBody>
+          <a:bodyPr rtlCol="0" anchor="ctr"/>
+          <a:p>
+            <a:pPr algn="ctr"/>
+            <a:endParaRPr lang="zh-CN" altLang="en-US"/>
+          </a:p>
+        </p:txBody>
+      </p:sp>
+      <p:sp>
+        <p:nvSpPr>
+          <p:cNvPr id="66" name="椭圆 65"/>
+          <p:cNvSpPr/>
+          <p:nvPr/>
+        </p:nvSpPr>
+        <p:spPr>
+          <a:xfrm>
+            <a:off x="5387340" y="2744470"/>
+            <a:ext cx="243840" cy="243840"/>
+          </a:xfrm>
+          <a:prstGeom prst="ellipse">
+            <a:avLst/>
+          </a:prstGeom>
+        </p:spPr>
+        <p:style>
+          <a:lnRef idx="2">
+            <a:schemeClr val="dk1"/>
+          </a:lnRef>
+          <a:fillRef idx="1">
+            <a:schemeClr val="lt1"/>
+          </a:fillRef>
+          <a:effectRef idx="0">
+            <a:schemeClr val="dk1"/>
+          </a:effectRef>
+          <a:fontRef idx="minor">
+            <a:schemeClr val="dk1"/>
+          </a:fontRef>
+        </p:style>
+        <p:txBody>
+          <a:bodyPr rtlCol="0" anchor="ctr"/>
+          <a:p>
+            <a:pPr algn="ctr"/>
+            <a:endParaRPr lang="en-US" altLang="zh-CN"/>
+          </a:p>
+        </p:txBody>
+      </p:sp>
+      <p:sp>
+        <p:nvSpPr>
+          <p:cNvPr id="67" name="椭圆 66"/>
+          <p:cNvSpPr/>
+          <p:nvPr/>
+        </p:nvSpPr>
+        <p:spPr>
+          <a:xfrm>
+            <a:off x="5471160" y="2828290"/>
+            <a:ext cx="76200" cy="76200"/>
+          </a:xfrm>
+          <a:prstGeom prst="ellipse">
+            <a:avLst/>
+          </a:prstGeom>
+        </p:spPr>
+        <p:style>
+          <a:lnRef idx="2">
+            <a:schemeClr val="dk1">
+              <a:shade val="50000"/>
+            </a:schemeClr>
+          </a:lnRef>
+          <a:fillRef idx="1">
+            <a:schemeClr val="dk1"/>
+          </a:fillRef>
+          <a:effectRef idx="0">
+            <a:schemeClr val="dk1"/>
+          </a:effectRef>
+          <a:fontRef idx="minor">
+            <a:schemeClr val="lt1"/>
+          </a:fontRef>
+        </p:style>
+        <p:txBody>
+          <a:bodyPr rtlCol="0" anchor="ctr"/>
+          <a:p>
+            <a:pPr algn="ctr"/>
+            <a:endParaRPr lang="zh-CN" altLang="en-US"/>
+          </a:p>
+        </p:txBody>
+      </p:sp>
+      <p:sp>
+        <p:nvSpPr>
+          <p:cNvPr id="62" name="文本框 61"/>
+          <p:cNvSpPr txBox="1"/>
+          <p:nvPr/>
+        </p:nvSpPr>
+        <p:spPr>
+          <a:xfrm>
+            <a:off x="5320030" y="3153410"/>
+            <a:ext cx="377190" cy="368300"/>
+          </a:xfrm>
+          <a:prstGeom prst="rect">
+            <a:avLst/>
+          </a:prstGeom>
+        </p:spPr>
+        <p:style>
+          <a:lnRef idx="2">
+            <a:schemeClr val="dk1"/>
+          </a:lnRef>
+          <a:fillRef idx="1">
+            <a:schemeClr val="lt1"/>
+          </a:fillRef>
+          <a:effectRef idx="0">
+            <a:schemeClr val="dk1"/>
+          </a:effectRef>
+          <a:fontRef idx="minor">
+            <a:schemeClr val="dk1"/>
+          </a:fontRef>
+        </p:style>
+        <p:txBody>
+          <a:bodyPr wrap="none" rtlCol="0">
+            <a:spAutoFit/>
+          </a:bodyPr>
+          <a:p>
+            <a:r>
+              <a:rPr lang="en-US" altLang="zh-CN"/>
+              <a:t>nt</a:t>
+            </a:r>
+            <a:endParaRPr lang="en-US" altLang="zh-CN"/>
+          </a:p>
+        </p:txBody>
+      </p:sp>
+      <p:cxnSp>
+        <p:nvCxnSpPr>
+          <p:cNvPr id="47" name="直接箭头连接符 46"/>
+          <p:cNvCxnSpPr>
+            <a:stCxn id="29" idx="0"/>
+            <a:endCxn id="90" idx="4"/>
+          </p:cNvCxnSpPr>
+          <p:nvPr/>
+        </p:nvCxnSpPr>
+        <p:spPr>
+          <a:xfrm flipV="1">
+            <a:off x="2734310" y="2907665"/>
+            <a:ext cx="0" cy="1449705"/>
+          </a:xfrm>
+          <a:prstGeom prst="straightConnector1">
+            <a:avLst/>
+          </a:prstGeom>
+          <a:ln>
+            <a:solidFill>
+              <a:srgbClr val="7030A0"/>
+            </a:solidFill>
+            <a:tailEnd type="arrow"/>
+          </a:ln>
+        </p:spPr>
+        <p:style>
+          <a:lnRef idx="1">
+            <a:schemeClr val="accent1"/>
+          </a:lnRef>
+          <a:fillRef idx="0">
+            <a:schemeClr val="accent1"/>
+          </a:fillRef>
+          <a:effectRef idx="0">
+            <a:schemeClr val="accent1"/>
+          </a:effectRef>
+          <a:fontRef idx="minor">
+            <a:schemeClr val="tx1"/>
+          </a:fontRef>
+        </p:style>
+      </p:cxnSp>
+      <p:cxnSp>
+        <p:nvCxnSpPr>
+          <p:cNvPr id="65" name="直接箭头连接符 64"/>
+          <p:cNvCxnSpPr>
+            <a:stCxn id="62" idx="0"/>
+            <a:endCxn id="66" idx="4"/>
+          </p:cNvCxnSpPr>
+          <p:nvPr/>
+        </p:nvCxnSpPr>
+        <p:spPr>
+          <a:xfrm flipV="1">
+            <a:off x="5508625" y="2988310"/>
+            <a:ext cx="635" cy="165100"/>
+          </a:xfrm>
+          <a:prstGeom prst="straightConnector1">
+            <a:avLst/>
+          </a:prstGeom>
+          <a:ln>
+            <a:solidFill>
+              <a:srgbClr val="7030A0"/>
+            </a:solidFill>
+            <a:tailEnd type="arrow"/>
+          </a:ln>
+        </p:spPr>
+        <p:style>
+          <a:lnRef idx="1">
+            <a:schemeClr val="accent1"/>
+          </a:lnRef>
+          <a:fillRef idx="0">
+            <a:schemeClr val="accent1"/>
+          </a:fillRef>
+          <a:effectRef idx="0">
+            <a:schemeClr val="accent1"/>
+          </a:effectRef>
+          <a:fontRef idx="minor">
+            <a:schemeClr val="tx1"/>
+          </a:fontRef>
+        </p:style>
+      </p:cxnSp>
+      <p:cxnSp>
+        <p:nvCxnSpPr>
+          <p:cNvPr id="68" name="肘形连接符 67"/>
+          <p:cNvCxnSpPr>
+            <a:stCxn id="50" idx="3"/>
+            <a:endCxn id="66" idx="2"/>
+          </p:cNvCxnSpPr>
+          <p:nvPr/>
+        </p:nvCxnSpPr>
+        <p:spPr>
+          <a:xfrm>
+            <a:off x="4263390" y="2865755"/>
+            <a:ext cx="1123950" cy="635"/>
+          </a:xfrm>
+          <a:prstGeom prst="bentConnector3">
+            <a:avLst>
+              <a:gd name="adj1" fmla="val 50000"/>
+            </a:avLst>
+          </a:prstGeom>
+          <a:ln>
+            <a:solidFill>
+              <a:schemeClr val="tx1"/>
+            </a:solidFill>
+            <a:tailEnd type="arrow"/>
+          </a:ln>
+        </p:spPr>
+        <p:style>
+          <a:lnRef idx="1">
+            <a:schemeClr val="accent1"/>
+          </a:lnRef>
+          <a:fillRef idx="0">
+            <a:schemeClr val="accent1"/>
+          </a:fillRef>
+          <a:effectRef idx="0">
+            <a:schemeClr val="accent1"/>
+          </a:effectRef>
+          <a:fontRef idx="minor">
+            <a:schemeClr val="tx1"/>
+          </a:fontRef>
+        </p:style>
+      </p:cxnSp>
+      <p:sp>
+        <p:nvSpPr>
+          <p:cNvPr id="71" name="椭圆 70"/>
+          <p:cNvSpPr/>
+          <p:nvPr/>
+        </p:nvSpPr>
+        <p:spPr>
+          <a:xfrm>
+            <a:off x="3966210" y="2023745"/>
+            <a:ext cx="243840" cy="243840"/>
+          </a:xfrm>
+          <a:prstGeom prst="ellipse">
+            <a:avLst/>
+          </a:prstGeom>
+        </p:spPr>
+        <p:style>
+          <a:lnRef idx="2">
+            <a:schemeClr val="dk1"/>
+          </a:lnRef>
+          <a:fillRef idx="1">
+            <a:schemeClr val="lt1"/>
+          </a:fillRef>
+          <a:effectRef idx="0">
+            <a:schemeClr val="dk1"/>
+          </a:effectRef>
+          <a:fontRef idx="minor">
+            <a:schemeClr val="dk1"/>
+          </a:fontRef>
+        </p:style>
+        <p:txBody>
+          <a:bodyPr rtlCol="0" anchor="ctr"/>
+          <a:p>
+            <a:pPr algn="ctr"/>
+            <a:endParaRPr lang="en-US" altLang="zh-CN"/>
+          </a:p>
+        </p:txBody>
+      </p:sp>
+      <p:sp>
+        <p:nvSpPr>
+          <p:cNvPr id="72" name="椭圆 71"/>
+          <p:cNvSpPr/>
+          <p:nvPr/>
+        </p:nvSpPr>
+        <p:spPr>
+          <a:xfrm>
+            <a:off x="4050030" y="2107565"/>
+            <a:ext cx="76200" cy="76200"/>
+          </a:xfrm>
+          <a:prstGeom prst="ellipse">
+            <a:avLst/>
+          </a:prstGeom>
+        </p:spPr>
+        <p:style>
+          <a:lnRef idx="2">
+            <a:schemeClr val="dk1">
+              <a:shade val="50000"/>
+            </a:schemeClr>
+          </a:lnRef>
+          <a:fillRef idx="1">
+            <a:schemeClr val="dk1"/>
+          </a:fillRef>
+          <a:effectRef idx="0">
+            <a:schemeClr val="dk1"/>
+          </a:effectRef>
+          <a:fontRef idx="minor">
+            <a:schemeClr val="lt1"/>
+          </a:fontRef>
+        </p:style>
+        <p:txBody>
+          <a:bodyPr rtlCol="0" anchor="ctr"/>
+          <a:p>
+            <a:pPr algn="ctr"/>
+            <a:endParaRPr lang="zh-CN" altLang="en-US"/>
+          </a:p>
+        </p:txBody>
+      </p:sp>
+      <p:cxnSp>
+        <p:nvCxnSpPr>
+          <p:cNvPr id="74" name="直接箭头连接符 73"/>
+          <p:cNvCxnSpPr>
+            <a:stCxn id="50" idx="0"/>
+            <a:endCxn id="71" idx="4"/>
+          </p:cNvCxnSpPr>
+          <p:nvPr/>
+        </p:nvCxnSpPr>
+        <p:spPr>
+          <a:xfrm flipH="1" flipV="1">
+            <a:off x="4088130" y="2267585"/>
+            <a:ext cx="635" cy="414020"/>
+          </a:xfrm>
+          <a:prstGeom prst="straightConnector1">
+            <a:avLst/>
+          </a:prstGeom>
+          <a:ln>
+            <a:solidFill>
+              <a:schemeClr val="tx1"/>
+            </a:solidFill>
+            <a:prstDash val="dash"/>
+            <a:tailEnd type="arrow"/>
+          </a:ln>
+        </p:spPr>
+        <p:style>
+          <a:lnRef idx="1">
+            <a:schemeClr val="accent1"/>
+          </a:lnRef>
+          <a:fillRef idx="0">
+            <a:schemeClr val="accent1"/>
+          </a:fillRef>
+          <a:effectRef idx="0">
+            <a:schemeClr val="accent1"/>
+          </a:effectRef>
+          <a:fontRef idx="minor">
+            <a:schemeClr val="tx1"/>
+          </a:fontRef>
+        </p:style>
+      </p:cxnSp>
+      <p:cxnSp>
+        <p:nvCxnSpPr>
+          <p:cNvPr id="75" name="直接箭头连接符 74"/>
+          <p:cNvCxnSpPr>
+            <a:stCxn id="71" idx="6"/>
+            <a:endCxn id="76" idx="2"/>
+          </p:cNvCxnSpPr>
+          <p:nvPr/>
+        </p:nvCxnSpPr>
+        <p:spPr>
+          <a:xfrm>
+            <a:off x="4210050" y="2145665"/>
+            <a:ext cx="1177290" cy="0"/>
+          </a:xfrm>
+          <a:prstGeom prst="straightConnector1">
+            <a:avLst/>
+          </a:prstGeom>
+          <a:ln>
+            <a:tailEnd type="arrow"/>
+          </a:ln>
+        </p:spPr>
+        <p:style>
+          <a:lnRef idx="1">
+            <a:schemeClr val="accent1"/>
+          </a:lnRef>
+          <a:fillRef idx="0">
+            <a:schemeClr val="accent1"/>
+          </a:fillRef>
+          <a:effectRef idx="0">
+            <a:schemeClr val="accent1"/>
+          </a:effectRef>
+          <a:fontRef idx="minor">
+            <a:schemeClr val="tx1"/>
+          </a:fontRef>
+        </p:style>
+      </p:cxnSp>
+      <p:cxnSp>
+        <p:nvCxnSpPr>
+          <p:cNvPr id="92" name="肘形连接符 91"/>
+          <p:cNvCxnSpPr>
+            <a:endCxn id="55" idx="2"/>
+          </p:cNvCxnSpPr>
+          <p:nvPr/>
+        </p:nvCxnSpPr>
+        <p:spPr>
+          <a:xfrm rot="5400000" flipV="1">
+            <a:off x="2267585" y="2870835"/>
+            <a:ext cx="1700530" cy="258445"/>
+          </a:xfrm>
+          <a:prstGeom prst="bentConnector2">
+            <a:avLst/>
+          </a:prstGeom>
+          <a:ln>
+            <a:solidFill>
+              <a:srgbClr val="0070C0"/>
+            </a:solidFill>
+            <a:tailEnd type="arrow"/>
+          </a:ln>
+        </p:spPr>
+        <p:style>
+          <a:lnRef idx="1">
+            <a:schemeClr val="accent1"/>
+          </a:lnRef>
+          <a:fillRef idx="0">
+            <a:schemeClr val="accent1"/>
+          </a:fillRef>
+          <a:effectRef idx="0">
+            <a:schemeClr val="accent1"/>
+          </a:effectRef>
+          <a:fontRef idx="minor">
+            <a:schemeClr val="tx1"/>
+          </a:fontRef>
+        </p:style>
+      </p:cxnSp>
+      <p:sp>
+        <p:nvSpPr>
+          <p:cNvPr id="76" name="椭圆 75"/>
+          <p:cNvSpPr/>
+          <p:nvPr/>
+        </p:nvSpPr>
+        <p:spPr>
+          <a:xfrm>
+            <a:off x="5387340" y="2023745"/>
+            <a:ext cx="243840" cy="243840"/>
+          </a:xfrm>
+          <a:prstGeom prst="ellipse">
+            <a:avLst/>
+          </a:prstGeom>
+        </p:spPr>
+        <p:style>
+          <a:lnRef idx="2">
+            <a:schemeClr val="dk1"/>
+          </a:lnRef>
+          <a:fillRef idx="1">
+            <a:schemeClr val="lt1"/>
+          </a:fillRef>
+          <a:effectRef idx="0">
+            <a:schemeClr val="dk1"/>
+          </a:effectRef>
+          <a:fontRef idx="minor">
+            <a:schemeClr val="dk1"/>
+          </a:fontRef>
+        </p:style>
+        <p:txBody>
+          <a:bodyPr rtlCol="0" anchor="ctr"/>
+          <a:p>
+            <a:pPr algn="ctr"/>
+            <a:endParaRPr lang="en-US" altLang="zh-CN"/>
+          </a:p>
+        </p:txBody>
+      </p:sp>
+      <p:sp>
+        <p:nvSpPr>
+          <p:cNvPr id="77" name="加号 76"/>
+          <p:cNvSpPr/>
+          <p:nvPr/>
+        </p:nvSpPr>
+        <p:spPr>
+          <a:xfrm>
+            <a:off x="5400040" y="2037080"/>
+            <a:ext cx="217170" cy="217170"/>
+          </a:xfrm>
+          <a:prstGeom prst="mathPlus">
+            <a:avLst>
+              <a:gd name="adj1" fmla="val 0"/>
+            </a:avLst>
+          </a:prstGeom>
+          <a:solidFill>
+            <a:schemeClr val="tx1"/>
+          </a:solidFill>
+          <a:ln>
+            <a:solidFill>
+              <a:schemeClr val="tx1"/>
+            </a:solidFill>
+          </a:ln>
+        </p:spPr>
+        <p:style>
+          <a:lnRef idx="2">
+            <a:schemeClr val="accent1">
+              <a:shade val="50000"/>
+            </a:schemeClr>
+          </a:lnRef>
+          <a:fillRef idx="1">
+            <a:schemeClr val="accent1"/>
+          </a:fillRef>
+          <a:effectRef idx="0">
+            <a:schemeClr val="accent1"/>
+          </a:effectRef>
+          <a:fontRef idx="minor">
+            <a:schemeClr val="lt1"/>
+          </a:fontRef>
+        </p:style>
+        <p:txBody>
+          <a:bodyPr rtlCol="0" anchor="ctr"/>
+          <a:p>
+            <a:pPr algn="ctr"/>
+            <a:endParaRPr lang="zh-CN" altLang="en-US"/>
+          </a:p>
+        </p:txBody>
+      </p:sp>
+      <p:cxnSp>
+        <p:nvCxnSpPr>
+          <p:cNvPr id="78" name="直接箭头连接符 77"/>
+          <p:cNvCxnSpPr>
+            <a:stCxn id="66" idx="0"/>
+            <a:endCxn id="76" idx="4"/>
+          </p:cNvCxnSpPr>
+          <p:nvPr/>
+        </p:nvCxnSpPr>
+        <p:spPr>
+          <a:xfrm flipV="1">
+            <a:off x="5509260" y="2267585"/>
+            <a:ext cx="0" cy="476885"/>
+          </a:xfrm>
+          <a:prstGeom prst="straightConnector1">
+            <a:avLst/>
+          </a:prstGeom>
+          <a:ln>
+            <a:tailEnd type="arrow"/>
+          </a:ln>
+        </p:spPr>
+        <p:style>
+          <a:lnRef idx="1">
+            <a:schemeClr val="accent1"/>
+          </a:lnRef>
+          <a:fillRef idx="0">
+            <a:schemeClr val="accent1"/>
+          </a:fillRef>
+          <a:effectRef idx="0">
+            <a:schemeClr val="accent1"/>
+          </a:effectRef>
+          <a:fontRef idx="minor">
+            <a:schemeClr val="tx1"/>
+          </a:fontRef>
+        </p:style>
+      </p:cxnSp>
+      <p:cxnSp>
+        <p:nvCxnSpPr>
+          <p:cNvPr id="80" name="直接箭头连接符 79"/>
+          <p:cNvCxnSpPr>
+            <a:stCxn id="76" idx="6"/>
+            <a:endCxn id="43" idx="1"/>
+          </p:cNvCxnSpPr>
+          <p:nvPr/>
+        </p:nvCxnSpPr>
+        <p:spPr>
+          <a:xfrm>
+            <a:off x="5631180" y="2145665"/>
+            <a:ext cx="897255" cy="6350"/>
+          </a:xfrm>
+          <a:prstGeom prst="straightConnector1">
+            <a:avLst/>
+          </a:prstGeom>
+          <a:ln>
+            <a:solidFill>
+              <a:srgbClr val="FF0000"/>
+            </a:solidFill>
+            <a:tailEnd type="arrow"/>
+          </a:ln>
+        </p:spPr>
+        <p:style>
+          <a:lnRef idx="1">
+            <a:schemeClr val="accent1"/>
+          </a:lnRef>
+          <a:fillRef idx="0">
+            <a:schemeClr val="accent1"/>
+          </a:fillRef>
+          <a:effectRef idx="0">
+            <a:schemeClr val="accent1"/>
+          </a:effectRef>
+          <a:fontRef idx="minor">
+            <a:schemeClr val="tx1"/>
+          </a:fontRef>
+        </p:style>
+      </p:cxnSp>
+      <p:sp>
+        <p:nvSpPr>
+          <p:cNvPr id="81" name="文本框 80"/>
+          <p:cNvSpPr txBox="1"/>
+          <p:nvPr/>
+        </p:nvSpPr>
+        <p:spPr>
+          <a:xfrm>
+            <a:off x="3378200" y="2267585"/>
+            <a:ext cx="535305" cy="368300"/>
+          </a:xfrm>
+          <a:prstGeom prst="rect">
+            <a:avLst/>
+          </a:prstGeom>
+          <a:noFill/>
+        </p:spPr>
+        <p:txBody>
+          <a:bodyPr wrap="none" rtlCol="0">
+            <a:spAutoFit/>
+          </a:bodyPr>
+          <a:p>
+            <a:r>
+              <a:rPr lang="en-US" altLang="zh-CN"/>
+              <a:t>1-zt</a:t>
+            </a:r>
+            <a:endParaRPr lang="en-US" altLang="zh-CN"/>
+          </a:p>
+        </p:txBody>
+      </p:sp>
+      <p:cxnSp>
+        <p:nvCxnSpPr>
+          <p:cNvPr id="83" name="直接箭头连接符 82"/>
+          <p:cNvCxnSpPr>
+            <a:stCxn id="49" idx="2"/>
+            <a:endCxn id="55" idx="0"/>
+          </p:cNvCxnSpPr>
+          <p:nvPr/>
+        </p:nvCxnSpPr>
+        <p:spPr>
+          <a:xfrm>
+            <a:off x="3369310" y="3506470"/>
+            <a:ext cx="0" cy="222250"/>
+          </a:xfrm>
+          <a:prstGeom prst="straightConnector1">
+            <a:avLst/>
+          </a:prstGeom>
+          <a:ln>
+            <a:solidFill>
+              <a:srgbClr val="7030A0"/>
+            </a:solidFill>
+            <a:tailEnd type="arrow"/>
+          </a:ln>
+        </p:spPr>
+        <p:style>
+          <a:lnRef idx="1">
+            <a:schemeClr val="accent1"/>
+          </a:lnRef>
+          <a:fillRef idx="0">
+            <a:schemeClr val="accent1"/>
+          </a:fillRef>
+          <a:effectRef idx="0">
+            <a:schemeClr val="accent1"/>
+          </a:effectRef>
+          <a:fontRef idx="minor">
+            <a:schemeClr val="tx1"/>
+          </a:fontRef>
+        </p:style>
+      </p:cxnSp>
+      <p:cxnSp>
+        <p:nvCxnSpPr>
+          <p:cNvPr id="87" name="肘形连接符 86"/>
+          <p:cNvCxnSpPr>
+            <a:stCxn id="55" idx="6"/>
+            <a:endCxn id="62" idx="2"/>
+          </p:cNvCxnSpPr>
+          <p:nvPr/>
+        </p:nvCxnSpPr>
+        <p:spPr>
+          <a:xfrm flipV="1">
+            <a:off x="3491230" y="3521710"/>
+            <a:ext cx="2017395" cy="328930"/>
+          </a:xfrm>
+          <a:prstGeom prst="bentConnector2">
+            <a:avLst/>
+          </a:prstGeom>
+          <a:ln>
+            <a:solidFill>
+              <a:srgbClr val="7030A0"/>
+            </a:solidFill>
+            <a:tailEnd type="arrow"/>
+          </a:ln>
+        </p:spPr>
+        <p:style>
+          <a:lnRef idx="1">
+            <a:schemeClr val="accent1"/>
+          </a:lnRef>
+          <a:fillRef idx="0">
+            <a:schemeClr val="accent1"/>
+          </a:fillRef>
+          <a:effectRef idx="0">
+            <a:schemeClr val="accent1"/>
+          </a:effectRef>
+          <a:fontRef idx="minor">
+            <a:schemeClr val="tx1"/>
+          </a:fontRef>
+        </p:style>
+      </p:cxnSp>
+      <p:sp>
+        <p:nvSpPr>
+          <p:cNvPr id="88" name="文本框 87"/>
+          <p:cNvSpPr txBox="1"/>
+          <p:nvPr/>
+        </p:nvSpPr>
+        <p:spPr>
+          <a:xfrm>
+            <a:off x="4358005" y="3482340"/>
+            <a:ext cx="605790" cy="368300"/>
+          </a:xfrm>
+          <a:prstGeom prst="rect">
+            <a:avLst/>
+          </a:prstGeom>
+          <a:noFill/>
+        </p:spPr>
+        <p:txBody>
+          <a:bodyPr wrap="none" rtlCol="0">
+            <a:spAutoFit/>
+          </a:bodyPr>
+          <a:p>
+            <a:r>
+              <a:rPr lang="en-US" altLang="zh-CN"/>
+              <a:t>tanh</a:t>
+            </a:r>
+            <a:endParaRPr lang="en-US" altLang="zh-CN"/>
+          </a:p>
+        </p:txBody>
+      </p:sp>
+      <p:cxnSp>
+        <p:nvCxnSpPr>
+          <p:cNvPr id="89" name="肘形连接符 88"/>
+          <p:cNvCxnSpPr>
+            <a:stCxn id="90" idx="2"/>
+            <a:endCxn id="49" idx="0"/>
+          </p:cNvCxnSpPr>
+          <p:nvPr/>
+        </p:nvCxnSpPr>
+        <p:spPr>
+          <a:xfrm>
+            <a:off x="2772410" y="2869565"/>
+            <a:ext cx="596900" cy="268605"/>
+          </a:xfrm>
+          <a:prstGeom prst="bentConnector2">
+            <a:avLst/>
+          </a:prstGeom>
+          <a:ln>
+            <a:solidFill>
+              <a:srgbClr val="7030A0"/>
+            </a:solidFill>
+            <a:tailEnd type="arrow"/>
+          </a:ln>
+        </p:spPr>
+        <p:style>
+          <a:lnRef idx="1">
+            <a:schemeClr val="accent1"/>
+          </a:lnRef>
+          <a:fillRef idx="0">
+            <a:schemeClr val="accent1"/>
+          </a:fillRef>
+          <a:effectRef idx="0">
+            <a:schemeClr val="accent1"/>
+          </a:effectRef>
+          <a:fontRef idx="minor">
+            <a:schemeClr val="tx1"/>
+          </a:fontRef>
+        </p:style>
+      </p:cxnSp>
+      <p:sp>
+        <p:nvSpPr>
+          <p:cNvPr id="90" name="椭圆 89"/>
+          <p:cNvSpPr/>
+          <p:nvPr/>
+        </p:nvSpPr>
+        <p:spPr>
+          <a:xfrm flipH="1">
+            <a:off x="2696210" y="2831465"/>
+            <a:ext cx="76200" cy="76200"/>
+          </a:xfrm>
+          <a:prstGeom prst="ellipse">
+            <a:avLst/>
+          </a:prstGeom>
+        </p:spPr>
+        <p:style>
+          <a:lnRef idx="2">
+            <a:schemeClr val="dk1">
+              <a:shade val="50000"/>
+            </a:schemeClr>
+          </a:lnRef>
+          <a:fillRef idx="1">
+            <a:schemeClr val="dk1"/>
+          </a:fillRef>
+          <a:effectRef idx="0">
+            <a:schemeClr val="dk1"/>
+          </a:effectRef>
+          <a:fontRef idx="minor">
+            <a:schemeClr val="lt1"/>
+          </a:fontRef>
+        </p:style>
+        <p:txBody>
+          <a:bodyPr rtlCol="0" anchor="ctr"/>
+          <a:p>
+            <a:pPr algn="ctr"/>
+            <a:endParaRPr lang="zh-CN" altLang="en-US"/>
+          </a:p>
+        </p:txBody>
+      </p:sp>
+      <p:cxnSp>
+        <p:nvCxnSpPr>
+          <p:cNvPr id="91" name="肘形连接符 90"/>
+          <p:cNvCxnSpPr>
+            <a:stCxn id="30" idx="3"/>
+            <a:endCxn id="90" idx="0"/>
+          </p:cNvCxnSpPr>
+          <p:nvPr/>
+        </p:nvCxnSpPr>
+        <p:spPr>
+          <a:xfrm>
+            <a:off x="1896745" y="2152015"/>
+            <a:ext cx="837565" cy="679450"/>
+          </a:xfrm>
+          <a:prstGeom prst="bentConnector2">
+            <a:avLst/>
+          </a:prstGeom>
+          <a:ln>
             <a:tailEnd type="arrow"/>
           </a:ln>
         </p:spPr>
@@ -24799,4 +29373,263 @@
     </a:ext>
   </a:extLst>
 </a:theme>
+</file>
+
+<file path=ppt/theme/theme2.xml><?xml version="1.0" encoding="utf-8"?>
+<a:theme xmlns:a="http://schemas.openxmlformats.org/drawingml/2006/main" name="Office 主题">
+  <a:themeElements>
+    <a:clrScheme name="Office">
+      <a:dk1>
+        <a:sysClr val="windowText" lastClr="000000"/>
+      </a:dk1>
+      <a:lt1>
+        <a:sysClr val="window" lastClr="FFFFFF"/>
+      </a:lt1>
+      <a:dk2>
+        <a:srgbClr val="44546A"/>
+      </a:dk2>
+      <a:lt2>
+        <a:srgbClr val="E7E6E6"/>
+      </a:lt2>
+      <a:accent1>
+        <a:srgbClr val="5B9BD5"/>
+      </a:accent1>
+      <a:accent2>
+        <a:srgbClr val="ED7D31"/>
+      </a:accent2>
+      <a:accent3>
+        <a:srgbClr val="A5A5A5"/>
+      </a:accent3>
+      <a:accent4>
+        <a:srgbClr val="FFC000"/>
+      </a:accent4>
+      <a:accent5>
+        <a:srgbClr val="4472C4"/>
+      </a:accent5>
+      <a:accent6>
+        <a:srgbClr val="70AD47"/>
+      </a:accent6>
+      <a:hlink>
+        <a:srgbClr val="0563C1"/>
+      </a:hlink>
+      <a:folHlink>
+        <a:srgbClr val="954F72"/>
+      </a:folHlink>
+    </a:clrScheme>
+    <a:fontScheme name="Office">
+      <a:majorFont>
+        <a:latin typeface="Calibri Light"/>
+        <a:ea typeface=""/>
+        <a:cs typeface=""/>
+        <a:font script="Jpan" typeface="ＭＳ Ｐゴシック"/>
+        <a:font script="Hang" typeface="맑은 고딕"/>
+        <a:font script="Hans" typeface="宋体"/>
+        <a:font script="Hant" typeface="新細明體"/>
+        <a:font script="Arab" typeface="Times New Roman"/>
+        <a:font script="Hebr" typeface="Times New Roman"/>
+        <a:font script="Thai" typeface="Angsana New"/>
+        <a:font script="Ethi" typeface="Nyala"/>
+        <a:font script="Beng" typeface="Vrinda"/>
+        <a:font script="Gujr" typeface="Shruti"/>
+        <a:font script="Khmr" typeface="MoolBoran"/>
+        <a:font script="Knda" typeface="Tunga"/>
+        <a:font script="Guru" typeface="Raavi"/>
+        <a:font script="Cans" typeface="Euphemia"/>
+        <a:font script="Cher" typeface="Plantagenet Cherokee"/>
+        <a:font script="Yiii" typeface="Microsoft Yi Baiti"/>
+        <a:font script="Tibt" typeface="Microsoft Himalaya"/>
+        <a:font script="Thaa" typeface="MV Boli"/>
+        <a:font script="Deva" typeface="Mangal"/>
+        <a:font script="Telu" typeface="Gautami"/>
+        <a:font script="Taml" typeface="Latha"/>
+        <a:font script="Syrc" typeface="Estrangelo Edessa"/>
+        <a:font script="Orya" typeface="Kalinga"/>
+        <a:font script="Mlym" typeface="Kartika"/>
+        <a:font script="Laoo" typeface="DokChampa"/>
+        <a:font script="Sinh" typeface="Iskoola Pota"/>
+        <a:font script="Mong" typeface="Mongolian Baiti"/>
+        <a:font script="Viet" typeface="Times New Roman"/>
+        <a:font script="Uigh" typeface="Microsoft Uighur"/>
+        <a:font script="Geor" typeface="Sylfaen"/>
+      </a:majorFont>
+      <a:minorFont>
+        <a:latin typeface="Calibri"/>
+        <a:ea typeface=""/>
+        <a:cs typeface=""/>
+        <a:font script="Jpan" typeface="ＭＳ Ｐゴシック"/>
+        <a:font script="Hang" typeface="맑은 고딕"/>
+        <a:font script="Hans" typeface="宋体"/>
+        <a:font script="Hant" typeface="新細明體"/>
+        <a:font script="Arab" typeface="Arial"/>
+        <a:font script="Hebr" typeface="Arial"/>
+        <a:font script="Thai" typeface="Cordia New"/>
+        <a:font script="Ethi" typeface="Nyala"/>
+        <a:font script="Beng" typeface="Vrinda"/>
+        <a:font script="Gujr" typeface="Shruti"/>
+        <a:font script="Khmr" typeface="DaunPenh"/>
+        <a:font script="Knda" typeface="Tunga"/>
+        <a:font script="Guru" typeface="Raavi"/>
+        <a:font script="Cans" typeface="Euphemia"/>
+        <a:font script="Cher" typeface="Plantagenet Cherokee"/>
+        <a:font script="Yiii" typeface="Microsoft Yi Baiti"/>
+        <a:font script="Tibt" typeface="Microsoft Himalaya"/>
+        <a:font script="Thaa" typeface="MV Boli"/>
+        <a:font script="Deva" typeface="Mangal"/>
+        <a:font script="Telu" typeface="Gautami"/>
+        <a:font script="Taml" typeface="Latha"/>
+        <a:font script="Syrc" typeface="Estrangelo Edessa"/>
+        <a:font script="Orya" typeface="Kalinga"/>
+        <a:font script="Mlym" typeface="Kartika"/>
+        <a:font script="Laoo" typeface="DokChampa"/>
+        <a:font script="Sinh" typeface="Iskoola Pota"/>
+        <a:font script="Mong" typeface="Mongolian Baiti"/>
+        <a:font script="Viet" typeface="Arial"/>
+        <a:font script="Uigh" typeface="Microsoft Uighur"/>
+        <a:font script="Geor" typeface="Sylfaen"/>
+      </a:minorFont>
+    </a:fontScheme>
+    <a:fmtScheme name="Office">
+      <a:fillStyleLst>
+        <a:solidFill>
+          <a:schemeClr val="phClr"/>
+        </a:solidFill>
+        <a:gradFill rotWithShape="1">
+          <a:gsLst>
+            <a:gs pos="0">
+              <a:schemeClr val="phClr">
+                <a:lumMod val="110000"/>
+                <a:satMod val="105000"/>
+                <a:tint val="67000"/>
+              </a:schemeClr>
+            </a:gs>
+            <a:gs pos="50000">
+              <a:schemeClr val="phClr">
+                <a:lumMod val="105000"/>
+                <a:satMod val="103000"/>
+                <a:tint val="73000"/>
+              </a:schemeClr>
+            </a:gs>
+            <a:gs pos="100000">
+              <a:schemeClr val="phClr">
+                <a:lumMod val="105000"/>
+                <a:satMod val="109000"/>
+                <a:tint val="81000"/>
+              </a:schemeClr>
+            </a:gs>
+          </a:gsLst>
+          <a:lin ang="5400000" scaled="0"/>
+        </a:gradFill>
+        <a:gradFill rotWithShape="1">
+          <a:gsLst>
+            <a:gs pos="0">
+              <a:schemeClr val="phClr">
+                <a:satMod val="103000"/>
+                <a:lumMod val="102000"/>
+                <a:tint val="94000"/>
+              </a:schemeClr>
+            </a:gs>
+            <a:gs pos="50000">
+              <a:schemeClr val="phClr">
+                <a:satMod val="110000"/>
+                <a:lumMod val="100000"/>
+                <a:shade val="100000"/>
+              </a:schemeClr>
+            </a:gs>
+            <a:gs pos="100000">
+              <a:schemeClr val="phClr">
+                <a:lumMod val="99000"/>
+                <a:satMod val="120000"/>
+                <a:shade val="78000"/>
+              </a:schemeClr>
+            </a:gs>
+          </a:gsLst>
+          <a:lin ang="5400000" scaled="0"/>
+        </a:gradFill>
+      </a:fillStyleLst>
+      <a:lnStyleLst>
+        <a:ln w="6350" cap="flat" cmpd="sng" algn="ctr">
+          <a:solidFill>
+            <a:schemeClr val="phClr"/>
+          </a:solidFill>
+          <a:prstDash val="solid"/>
+          <a:miter lim="800000"/>
+        </a:ln>
+        <a:ln w="12700" cap="flat" cmpd="sng" algn="ctr">
+          <a:solidFill>
+            <a:schemeClr val="phClr"/>
+          </a:solidFill>
+          <a:prstDash val="solid"/>
+          <a:miter lim="800000"/>
+        </a:ln>
+        <a:ln w="19050" cap="flat" cmpd="sng" algn="ctr">
+          <a:solidFill>
+            <a:schemeClr val="phClr"/>
+          </a:solidFill>
+          <a:prstDash val="solid"/>
+          <a:miter lim="800000"/>
+        </a:ln>
+      </a:lnStyleLst>
+      <a:effectStyleLst>
+        <a:effectStyle>
+          <a:effectLst/>
+        </a:effectStyle>
+        <a:effectStyle>
+          <a:effectLst/>
+        </a:effectStyle>
+        <a:effectStyle>
+          <a:effectLst>
+            <a:outerShdw blurRad="57150" dist="19050" dir="5400000" algn="ctr" rotWithShape="0">
+              <a:srgbClr val="000000">
+                <a:alpha val="63000"/>
+              </a:srgbClr>
+            </a:outerShdw>
+          </a:effectLst>
+        </a:effectStyle>
+      </a:effectStyleLst>
+      <a:bgFillStyleLst>
+        <a:solidFill>
+          <a:schemeClr val="phClr"/>
+        </a:solidFill>
+        <a:solidFill>
+          <a:schemeClr val="phClr">
+            <a:tint val="95000"/>
+            <a:satMod val="170000"/>
+          </a:schemeClr>
+        </a:solidFill>
+        <a:gradFill rotWithShape="1">
+          <a:gsLst>
+            <a:gs pos="0">
+              <a:schemeClr val="phClr">
+                <a:tint val="93000"/>
+                <a:satMod val="150000"/>
+                <a:shade val="98000"/>
+                <a:lumMod val="102000"/>
+              </a:schemeClr>
+            </a:gs>
+            <a:gs pos="50000">
+              <a:schemeClr val="phClr">
+                <a:tint val="98000"/>
+                <a:satMod val="130000"/>
+                <a:shade val="90000"/>
+                <a:lumMod val="103000"/>
+              </a:schemeClr>
+            </a:gs>
+            <a:gs pos="100000">
+              <a:schemeClr val="phClr">
+                <a:shade val="63000"/>
+                <a:satMod val="120000"/>
+              </a:schemeClr>
+            </a:gs>
+          </a:gsLst>
+          <a:lin ang="5400000" scaled="0"/>
+        </a:gradFill>
+      </a:bgFillStyleLst>
+    </a:fmtScheme>
+  </a:themeElements>
+  <a:extLst>
+    <a:ext uri="{05A4C25C-085E-4340-85A3-A5531E510DB2}">
+      <thm15:themeFamily xmlns:thm15="http://schemas.microsoft.com/office/thememl/2012/main" name="Office Theme" id="{62F939B6-93AF-4DB8-9C6B-D6C7DFDC589F}" vid="{4A3C46E8-61CC-4603-A589-7422A47A8E4A}"/>
+    </a:ext>
+  </a:extLst>
+</a:theme>
 </file>